--- a/Prezentace.pptx
+++ b/Prezentace.pptx
@@ -5321,7 +5321,166 @@
           <a:bodyPr/>
           <a:lstStyle/>
           <a:p>
-            <a:endParaRPr lang="cs-CZ"/>
+            <a:br>
+              <a:rPr lang="cs-CZ" dirty="0"/>
+            </a:br>
+            <a:r>
+              <a:rPr lang="cs-CZ" dirty="0"/>
+              <a:t>Jak motivovat </a:t>
+            </a:r>
+            <a:r>
+              <a:rPr lang="cs-CZ" dirty="0" err="1"/>
+              <a:t>žáky</a:t>
+            </a:r>
+            <a:r>
+              <a:rPr lang="cs-CZ" dirty="0"/>
+              <a:t> k prohloubení znalostí technicky velmi </a:t>
+            </a:r>
+            <a:r>
+              <a:rPr lang="cs-CZ" dirty="0" err="1"/>
+              <a:t>složitého</a:t>
+            </a:r>
+            <a:r>
+              <a:rPr lang="cs-CZ" dirty="0"/>
+              <a:t> oboru? </a:t>
+            </a:r>
+          </a:p>
+          <a:p>
+            <a:endParaRPr lang="cs-CZ" dirty="0"/>
+          </a:p>
+          <a:p>
+            <a:r>
+              <a:rPr lang="cs-CZ" dirty="0" err="1"/>
+              <a:t>Umožněni</a:t>
+            </a:r>
+            <a:r>
+              <a:rPr lang="cs-CZ" dirty="0"/>
+              <a:t>́ </a:t>
+            </a:r>
+            <a:r>
+              <a:rPr lang="cs-CZ" dirty="0" err="1"/>
+              <a:t>učiteli</a:t>
+            </a:r>
+            <a:r>
+              <a:rPr lang="cs-CZ" dirty="0"/>
+              <a:t> </a:t>
+            </a:r>
+            <a:r>
+              <a:rPr lang="cs-CZ" dirty="0" err="1"/>
+              <a:t>efektivněji</a:t>
+            </a:r>
+            <a:r>
+              <a:rPr lang="cs-CZ" dirty="0"/>
+              <a:t> </a:t>
+            </a:r>
+            <a:r>
+              <a:rPr lang="cs-CZ" dirty="0" err="1"/>
+              <a:t>vést</a:t>
+            </a:r>
+            <a:r>
+              <a:rPr lang="cs-CZ" dirty="0"/>
+              <a:t> </a:t>
+            </a:r>
+            <a:r>
+              <a:rPr lang="cs-CZ" dirty="0" err="1"/>
+              <a:t>výuku</a:t>
+            </a:r>
+            <a:r>
+              <a:rPr lang="cs-CZ" dirty="0"/>
+              <a:t> </a:t>
+            </a:r>
+            <a:r>
+              <a:rPr lang="cs-CZ" dirty="0" err="1"/>
+              <a:t>vytvářením</a:t>
+            </a:r>
+            <a:r>
+              <a:rPr lang="cs-CZ" dirty="0"/>
+              <a:t> </a:t>
+            </a:r>
+            <a:r>
+              <a:rPr lang="cs-CZ" dirty="0" err="1"/>
+              <a:t>kvízu</a:t>
+            </a:r>
+            <a:r>
+              <a:rPr lang="cs-CZ" dirty="0"/>
+              <a:t>̊ a </a:t>
+            </a:r>
+            <a:r>
+              <a:rPr lang="cs-CZ" dirty="0" err="1"/>
+              <a:t>návodu</a:t>
+            </a:r>
+            <a:r>
+              <a:rPr lang="cs-CZ" dirty="0"/>
+              <a:t>̊</a:t>
+            </a:r>
+          </a:p>
+          <a:p>
+            <a:endParaRPr lang="cs-CZ" dirty="0"/>
+          </a:p>
+          <a:p>
+            <a:r>
+              <a:rPr lang="cs-CZ" dirty="0" err="1"/>
+              <a:t>Zjednodušením</a:t>
+            </a:r>
+            <a:r>
+              <a:rPr lang="cs-CZ" dirty="0"/>
+              <a:t> procesu tvorby rezervací 3D </a:t>
+            </a:r>
+            <a:r>
+              <a:rPr lang="cs-CZ" dirty="0" err="1"/>
+              <a:t>tiskárny</a:t>
+            </a:r>
+            <a:endParaRPr lang="cs-CZ" dirty="0"/>
+          </a:p>
+          <a:p>
+            <a:endParaRPr lang="cs-CZ" dirty="0"/>
+          </a:p>
+          <a:p>
+            <a:r>
+              <a:rPr lang="cs-CZ" dirty="0"/>
+              <a:t>Motivace </a:t>
+            </a:r>
+            <a:r>
+              <a:rPr lang="cs-CZ" dirty="0" err="1"/>
+              <a:t>žáku</a:t>
+            </a:r>
+            <a:r>
+              <a:rPr lang="cs-CZ" dirty="0"/>
+              <a:t>̊ k </a:t>
+            </a:r>
+            <a:r>
+              <a:rPr lang="cs-CZ" dirty="0" err="1"/>
+              <a:t>aktivni</a:t>
+            </a:r>
+            <a:r>
+              <a:rPr lang="cs-CZ" dirty="0"/>
+              <a:t>́ </a:t>
+            </a:r>
+            <a:r>
+              <a:rPr lang="cs-CZ" dirty="0" err="1"/>
+              <a:t>účasti</a:t>
+            </a:r>
+            <a:r>
+              <a:rPr lang="cs-CZ" dirty="0"/>
+              <a:t> pomocí </a:t>
+            </a:r>
+            <a:r>
+              <a:rPr lang="cs-CZ" dirty="0" err="1"/>
+              <a:t>gamifikačních</a:t>
+            </a:r>
+            <a:r>
+              <a:rPr lang="cs-CZ" dirty="0"/>
+              <a:t> prvků a statistik</a:t>
+            </a:r>
+          </a:p>
+          <a:p>
+            <a:br>
+              <a:rPr lang="cs-CZ" dirty="0"/>
+            </a:br>
+            <a:r>
+              <a:rPr lang="cs-CZ" dirty="0"/>
+              <a:t>Nabídnutí kompletního řešení v rámci jedné webové aplikace</a:t>
+            </a:r>
           </a:p>
         </p:txBody>
       </p:sp>
@@ -5413,7 +5572,7 @@
           <a:bodyPr/>
           <a:lstStyle/>
           <a:p>
-            <a:endParaRPr lang="cs-CZ"/>
+            <a:endParaRPr lang="cs-CZ" dirty="0"/>
           </a:p>
         </p:txBody>
       </p:sp>

--- a/Prezentace.pptx
+++ b/Prezentace.pptx
@@ -5574,6 +5574,144 @@
           <a:p>
             <a:endParaRPr lang="cs-CZ" dirty="0"/>
           </a:p>
+          <a:p>
+            <a:r>
+              <a:rPr lang="cs-CZ" dirty="0" err="1"/>
+              <a:t>Návrh</a:t>
+            </a:r>
+            <a:r>
+              <a:rPr lang="cs-CZ" dirty="0"/>
+              <a:t> a </a:t>
+            </a:r>
+            <a:r>
+              <a:rPr lang="cs-CZ" dirty="0" err="1"/>
+              <a:t>vytvořeni</a:t>
+            </a:r>
+            <a:r>
+              <a:rPr lang="cs-CZ" dirty="0"/>
+              <a:t>́ </a:t>
+            </a:r>
+            <a:r>
+              <a:rPr lang="cs-CZ" dirty="0" err="1"/>
+              <a:t>unikátní</a:t>
+            </a:r>
+            <a:r>
+              <a:rPr lang="cs-CZ" dirty="0"/>
+              <a:t> webové aplikace, </a:t>
+            </a:r>
+            <a:r>
+              <a:rPr lang="cs-CZ" dirty="0" err="1"/>
+              <a:t>ktera</a:t>
+            </a:r>
+            <a:r>
+              <a:rPr lang="cs-CZ" dirty="0"/>
+              <a:t>́ </a:t>
+            </a:r>
+            <a:r>
+              <a:rPr lang="cs-CZ" dirty="0" err="1"/>
+              <a:t>sníži</a:t>
+            </a:r>
+            <a:r>
+              <a:rPr lang="cs-CZ" dirty="0"/>
+              <a:t>́ </a:t>
+            </a:r>
+          </a:p>
+          <a:p>
+            <a:endParaRPr lang="cs-CZ" dirty="0"/>
+          </a:p>
+          <a:p>
+            <a:r>
+              <a:rPr lang="cs-CZ" dirty="0" err="1"/>
+              <a:t>administrativni</a:t>
+            </a:r>
+            <a:r>
+              <a:rPr lang="cs-CZ" dirty="0"/>
+              <a:t>́ </a:t>
+            </a:r>
+            <a:r>
+              <a:rPr lang="cs-CZ" dirty="0" err="1"/>
+              <a:t>zátěz</a:t>
+            </a:r>
+            <a:r>
+              <a:rPr lang="cs-CZ" dirty="0"/>
+              <a:t>̌ kladenou na </a:t>
+            </a:r>
+            <a:r>
+              <a:rPr lang="cs-CZ" dirty="0" err="1"/>
+              <a:t>učitele</a:t>
+            </a:r>
+            <a:r>
+              <a:rPr lang="cs-CZ" dirty="0"/>
+              <a:t> </a:t>
+            </a:r>
+          </a:p>
+          <a:p>
+            <a:r>
+              <a:rPr lang="cs-CZ" dirty="0" err="1"/>
+              <a:t>zvýší</a:t>
+            </a:r>
+            <a:r>
+              <a:rPr lang="cs-CZ" dirty="0"/>
+              <a:t> dostupnost </a:t>
+            </a:r>
+            <a:r>
+              <a:rPr lang="cs-CZ" dirty="0" err="1"/>
+              <a:t>výuky</a:t>
+            </a:r>
+            <a:endParaRPr lang="cs-CZ" dirty="0"/>
+          </a:p>
+          <a:p>
+            <a:r>
+              <a:rPr lang="cs-CZ" dirty="0"/>
+              <a:t>	</a:t>
+            </a:r>
+            <a:r>
+              <a:rPr lang="cs-CZ" dirty="0" err="1"/>
+              <a:t>flexibilnějším</a:t>
+            </a:r>
+            <a:r>
+              <a:rPr lang="cs-CZ" dirty="0"/>
+              <a:t> </a:t>
+            </a:r>
+            <a:r>
+              <a:rPr lang="cs-CZ" dirty="0" err="1"/>
+              <a:t>plánováním</a:t>
+            </a:r>
+            <a:endParaRPr lang="cs-CZ" dirty="0"/>
+          </a:p>
+          <a:p>
+            <a:r>
+              <a:rPr lang="cs-CZ" dirty="0"/>
+              <a:t>	</a:t>
+            </a:r>
+            <a:r>
+              <a:rPr lang="cs-CZ" dirty="0" err="1"/>
+              <a:t>širšími</a:t>
+            </a:r>
+            <a:r>
+              <a:rPr lang="cs-CZ" dirty="0"/>
+              <a:t> </a:t>
+            </a:r>
+            <a:r>
+              <a:rPr lang="cs-CZ" dirty="0" err="1"/>
+              <a:t>možnostmi</a:t>
+            </a:r>
+            <a:r>
+              <a:rPr lang="cs-CZ" dirty="0"/>
+              <a:t> </a:t>
+            </a:r>
+            <a:r>
+              <a:rPr lang="cs-CZ" dirty="0" err="1"/>
+              <a:t>samovzděláváni</a:t>
+            </a:r>
+            <a:r>
+              <a:rPr lang="cs-CZ" dirty="0"/>
+              <a:t>́</a:t>
+            </a:r>
+          </a:p>
+          <a:p>
+            <a:endParaRPr lang="cs-CZ" dirty="0"/>
+          </a:p>
         </p:txBody>
       </p:sp>
       <p:sp>
@@ -5664,7 +5802,7 @@
           <a:bodyPr/>
           <a:lstStyle/>
           <a:p>
-            <a:endParaRPr lang="cs-CZ"/>
+            <a:endParaRPr lang="cs-CZ" dirty="0"/>
           </a:p>
         </p:txBody>
       </p:sp>

--- a/Prezentace.pptx
+++ b/Prezentace.pptx
@@ -9,10 +9,13 @@
     <p:sldId id="257" r:id="rId3"/>
     <p:sldId id="258" r:id="rId4"/>
     <p:sldId id="259" r:id="rId5"/>
-    <p:sldId id="264" r:id="rId6"/>
-    <p:sldId id="261" r:id="rId7"/>
-    <p:sldId id="260" r:id="rId8"/>
-    <p:sldId id="263" r:id="rId9"/>
+    <p:sldId id="266" r:id="rId6"/>
+    <p:sldId id="267" r:id="rId7"/>
+    <p:sldId id="268" r:id="rId8"/>
+    <p:sldId id="269" r:id="rId9"/>
+    <p:sldId id="260" r:id="rId10"/>
+    <p:sldId id="261" r:id="rId11"/>
+    <p:sldId id="263" r:id="rId12"/>
   </p:sldIdLst>
   <p:sldSz cx="12192000" cy="6858000"/>
   <p:notesSz cx="6858000" cy="9144000"/>
@@ -5183,7 +5186,7 @@
         </p:nvSpPr>
         <p:spPr bwMode="auto">
           <a:xfrm>
-            <a:off x="1057600" y="1864933"/>
+            <a:off x="1057600" y="2031188"/>
             <a:ext cx="5594400" cy="3513600"/>
           </a:xfrm>
           <a:noFill/>
@@ -5218,36 +5221,12 @@
           <a:p>
             <a:pPr algn="ctr"/>
             <a:r>
-              <a:rPr lang="cs-CZ" altLang="cs-CZ" sz="4800" dirty="0" err="1">
+              <a:rPr lang="cs-CZ" altLang="cs-CZ" sz="4800" dirty="0">
                 <a:solidFill>
                   <a:schemeClr val="bg1"/>
                 </a:solidFill>
               </a:rPr>
-              <a:t>Webova</a:t>
-            </a:r>
-            <a:r>
-              <a:rPr lang="cs-CZ" altLang="cs-CZ" sz="4800" dirty="0">
-                <a:solidFill>
-                  <a:schemeClr val="bg1"/>
-                </a:solidFill>
-              </a:rPr>
-              <a:t>́ aplikace pro podporu </a:t>
-            </a:r>
-            <a:r>
-              <a:rPr lang="cs-CZ" altLang="cs-CZ" sz="4800" dirty="0" err="1">
-                <a:solidFill>
-                  <a:schemeClr val="bg1"/>
-                </a:solidFill>
-              </a:rPr>
-              <a:t>výuky</a:t>
-            </a:r>
-            <a:r>
-              <a:rPr lang="cs-CZ" altLang="cs-CZ" sz="4800" dirty="0">
-                <a:solidFill>
-                  <a:schemeClr val="bg1"/>
-                </a:solidFill>
-              </a:rPr>
-              <a:t> 3D tisku </a:t>
+              <a:t>Webová aplikace pro podporu výuky 3D tisku </a:t>
             </a:r>
             <a:br>
               <a:rPr lang="cs-CZ" altLang="cs-CZ" sz="4800" dirty="0">
@@ -5275,7 +5254,472 @@
           </a:p>
         </p:txBody>
       </p:sp>
+      <p:sp>
+        <p:nvSpPr>
+          <p:cNvPr id="2" name="Nadpis 5">
+            <a:extLst>
+              <a:ext uri="{FF2B5EF4-FFF2-40B4-BE49-F238E27FC236}">
+                <a16:creationId xmlns:a16="http://schemas.microsoft.com/office/drawing/2014/main" id="{56B7419D-D6D3-85B5-3FEF-F81C1BFD6EE8}"/>
+              </a:ext>
+            </a:extLst>
+          </p:cNvPr>
+          <p:cNvSpPr txBox="1">
+            <a:spLocks/>
+          </p:cNvSpPr>
+          <p:nvPr/>
+        </p:nvSpPr>
+        <p:spPr bwMode="auto">
+          <a:xfrm>
+            <a:off x="7459580" y="4063466"/>
+            <a:ext cx="4158114" cy="1105301"/>
+          </a:xfrm>
+          <a:prstGeom prst="rect">
+            <a:avLst/>
+          </a:prstGeom>
+          <a:noFill/>
+          <a:extLst>
+            <a:ext uri="{909E8E84-426E-40DD-AFC4-6F175D3DCCD1}">
+              <a14:hiddenFill xmlns:a14="http://schemas.microsoft.com/office/drawing/2010/main">
+                <a:solidFill>
+                  <a:srgbClr val="FFFFFF"/>
+                </a:solidFill>
+              </a14:hiddenFill>
+            </a:ext>
+            <a:ext uri="{91240B29-F687-4F45-9708-019B960494DF}">
+              <a14:hiddenLine xmlns:a14="http://schemas.microsoft.com/office/drawing/2010/main" w="9525">
+                <a:solidFill>
+                  <a:srgbClr val="000000"/>
+                </a:solidFill>
+                <a:miter lim="800000"/>
+                <a:headEnd/>
+                <a:tailEnd/>
+              </a14:hiddenLine>
+            </a:ext>
+          </a:extLst>
+        </p:spPr>
+        <p:txBody>
+          <a:bodyPr vert="horz" wrap="square" lIns="0" tIns="45720" rIns="0" bIns="45720" numCol="1" anchor="ctr" anchorCtr="0" compatLnSpc="1">
+            <a:prstTxWarp prst="textNoShape">
+              <a:avLst/>
+            </a:prstTxWarp>
+            <a:normAutofit/>
+          </a:bodyPr>
+          <a:lstStyle>
+            <a:lvl1pPr algn="l" rtl="0" eaLnBrk="1" fontAlgn="base" hangingPunct="1">
+              <a:lnSpc>
+                <a:spcPct val="90000"/>
+              </a:lnSpc>
+              <a:spcBef>
+                <a:spcPct val="0"/>
+              </a:spcBef>
+              <a:spcAft>
+                <a:spcPct val="0"/>
+              </a:spcAft>
+              <a:defRPr sz="5000" b="1" kern="1200">
+                <a:solidFill>
+                  <a:schemeClr val="tx1"/>
+                </a:solidFill>
+                <a:latin typeface="+mj-lt"/>
+                <a:ea typeface="+mj-ea"/>
+                <a:cs typeface="+mj-cs"/>
+              </a:defRPr>
+            </a:lvl1pPr>
+            <a:lvl2pPr algn="l" rtl="0" eaLnBrk="1" fontAlgn="base" hangingPunct="1">
+              <a:lnSpc>
+                <a:spcPct val="90000"/>
+              </a:lnSpc>
+              <a:spcBef>
+                <a:spcPct val="0"/>
+              </a:spcBef>
+              <a:spcAft>
+                <a:spcPct val="0"/>
+              </a:spcAft>
+              <a:defRPr sz="3200" b="1">
+                <a:solidFill>
+                  <a:schemeClr val="tx2"/>
+                </a:solidFill>
+                <a:latin typeface="Arial" panose="020B0604020202020204" pitchFamily="34" charset="0"/>
+              </a:defRPr>
+            </a:lvl2pPr>
+            <a:lvl3pPr algn="l" rtl="0" eaLnBrk="1" fontAlgn="base" hangingPunct="1">
+              <a:lnSpc>
+                <a:spcPct val="90000"/>
+              </a:lnSpc>
+              <a:spcBef>
+                <a:spcPct val="0"/>
+              </a:spcBef>
+              <a:spcAft>
+                <a:spcPct val="0"/>
+              </a:spcAft>
+              <a:defRPr sz="3200" b="1">
+                <a:solidFill>
+                  <a:schemeClr val="tx2"/>
+                </a:solidFill>
+                <a:latin typeface="Arial" panose="020B0604020202020204" pitchFamily="34" charset="0"/>
+              </a:defRPr>
+            </a:lvl3pPr>
+            <a:lvl4pPr algn="l" rtl="0" eaLnBrk="1" fontAlgn="base" hangingPunct="1">
+              <a:lnSpc>
+                <a:spcPct val="90000"/>
+              </a:lnSpc>
+              <a:spcBef>
+                <a:spcPct val="0"/>
+              </a:spcBef>
+              <a:spcAft>
+                <a:spcPct val="0"/>
+              </a:spcAft>
+              <a:defRPr sz="3200" b="1">
+                <a:solidFill>
+                  <a:schemeClr val="tx2"/>
+                </a:solidFill>
+                <a:latin typeface="Arial" panose="020B0604020202020204" pitchFamily="34" charset="0"/>
+              </a:defRPr>
+            </a:lvl4pPr>
+            <a:lvl5pPr algn="l" rtl="0" eaLnBrk="1" fontAlgn="base" hangingPunct="1">
+              <a:lnSpc>
+                <a:spcPct val="90000"/>
+              </a:lnSpc>
+              <a:spcBef>
+                <a:spcPct val="0"/>
+              </a:spcBef>
+              <a:spcAft>
+                <a:spcPct val="0"/>
+              </a:spcAft>
+              <a:defRPr sz="3200" b="1">
+                <a:solidFill>
+                  <a:schemeClr val="tx2"/>
+                </a:solidFill>
+                <a:latin typeface="Arial" panose="020B0604020202020204" pitchFamily="34" charset="0"/>
+              </a:defRPr>
+            </a:lvl5pPr>
+            <a:lvl6pPr marL="457200" algn="l" rtl="0" eaLnBrk="1" fontAlgn="base" hangingPunct="1">
+              <a:lnSpc>
+                <a:spcPct val="90000"/>
+              </a:lnSpc>
+              <a:spcBef>
+                <a:spcPct val="0"/>
+              </a:spcBef>
+              <a:spcAft>
+                <a:spcPct val="0"/>
+              </a:spcAft>
+              <a:defRPr sz="3200" b="1">
+                <a:solidFill>
+                  <a:schemeClr val="tx2"/>
+                </a:solidFill>
+                <a:latin typeface="Arial" panose="020B0604020202020204" pitchFamily="34" charset="0"/>
+              </a:defRPr>
+            </a:lvl6pPr>
+            <a:lvl7pPr marL="914400" algn="l" rtl="0" eaLnBrk="1" fontAlgn="base" hangingPunct="1">
+              <a:lnSpc>
+                <a:spcPct val="90000"/>
+              </a:lnSpc>
+              <a:spcBef>
+                <a:spcPct val="0"/>
+              </a:spcBef>
+              <a:spcAft>
+                <a:spcPct val="0"/>
+              </a:spcAft>
+              <a:defRPr sz="3200" b="1">
+                <a:solidFill>
+                  <a:schemeClr val="tx2"/>
+                </a:solidFill>
+                <a:latin typeface="Arial" panose="020B0604020202020204" pitchFamily="34" charset="0"/>
+              </a:defRPr>
+            </a:lvl7pPr>
+            <a:lvl8pPr marL="1371600" algn="l" rtl="0" eaLnBrk="1" fontAlgn="base" hangingPunct="1">
+              <a:lnSpc>
+                <a:spcPct val="90000"/>
+              </a:lnSpc>
+              <a:spcBef>
+                <a:spcPct val="0"/>
+              </a:spcBef>
+              <a:spcAft>
+                <a:spcPct val="0"/>
+              </a:spcAft>
+              <a:defRPr sz="3200" b="1">
+                <a:solidFill>
+                  <a:schemeClr val="tx2"/>
+                </a:solidFill>
+                <a:latin typeface="Arial" panose="020B0604020202020204" pitchFamily="34" charset="0"/>
+              </a:defRPr>
+            </a:lvl8pPr>
+            <a:lvl9pPr marL="1828800" algn="l" rtl="0" eaLnBrk="1" fontAlgn="base" hangingPunct="1">
+              <a:lnSpc>
+                <a:spcPct val="90000"/>
+              </a:lnSpc>
+              <a:spcBef>
+                <a:spcPct val="0"/>
+              </a:spcBef>
+              <a:spcAft>
+                <a:spcPct val="0"/>
+              </a:spcAft>
+              <a:defRPr sz="3200" b="1">
+                <a:solidFill>
+                  <a:schemeClr val="tx2"/>
+                </a:solidFill>
+                <a:latin typeface="Arial" panose="020B0604020202020204" pitchFamily="34" charset="0"/>
+              </a:defRPr>
+            </a:lvl9pPr>
+          </a:lstStyle>
+          <a:p>
+            <a:pPr>
+              <a:lnSpc>
+                <a:spcPct val="100000"/>
+              </a:lnSpc>
+            </a:pPr>
+            <a:r>
+              <a:rPr lang="en-US" sz="2000" dirty="0" err="1">
+                <a:solidFill>
+                  <a:schemeClr val="accent4"/>
+                </a:solidFill>
+              </a:rPr>
+              <a:t>Vedoucí</a:t>
+            </a:r>
+            <a:r>
+              <a:rPr lang="en-US" sz="2000" dirty="0">
+                <a:solidFill>
+                  <a:schemeClr val="accent4"/>
+                </a:solidFill>
+              </a:rPr>
+              <a:t> </a:t>
+            </a:r>
+            <a:r>
+              <a:rPr lang="en-US" sz="2000" dirty="0" err="1">
+                <a:solidFill>
+                  <a:schemeClr val="accent4"/>
+                </a:solidFill>
+              </a:rPr>
+              <a:t>práce</a:t>
+            </a:r>
+            <a:r>
+              <a:rPr lang="en-US" sz="2000" dirty="0">
+                <a:solidFill>
+                  <a:schemeClr val="accent4"/>
+                </a:solidFill>
+              </a:rPr>
+              <a:t>: Ing. Robert </a:t>
+            </a:r>
+            <a:r>
+              <a:rPr lang="en-US" sz="2000" dirty="0" err="1">
+                <a:solidFill>
+                  <a:schemeClr val="accent4"/>
+                </a:solidFill>
+              </a:rPr>
+              <a:t>Rouš</a:t>
+            </a:r>
+            <a:endParaRPr lang="en-US" sz="2000" dirty="0">
+              <a:solidFill>
+                <a:schemeClr val="accent4"/>
+              </a:solidFill>
+            </a:endParaRPr>
+          </a:p>
+          <a:p>
+            <a:pPr>
+              <a:lnSpc>
+                <a:spcPct val="100000"/>
+              </a:lnSpc>
+            </a:pPr>
+            <a:r>
+              <a:rPr lang="en-US" sz="2000" dirty="0" err="1">
+                <a:solidFill>
+                  <a:schemeClr val="accent4"/>
+                </a:solidFill>
+              </a:rPr>
+              <a:t>Oponent</a:t>
+            </a:r>
+            <a:r>
+              <a:rPr lang="en-US" sz="2000" dirty="0">
+                <a:solidFill>
+                  <a:schemeClr val="accent4"/>
+                </a:solidFill>
+              </a:rPr>
+              <a:t>: Ing. Ivo </a:t>
+            </a:r>
+            <a:r>
+              <a:rPr lang="en-US" sz="2000" dirty="0" err="1">
+                <a:solidFill>
+                  <a:schemeClr val="accent4"/>
+                </a:solidFill>
+              </a:rPr>
+              <a:t>Pisařovic</a:t>
+            </a:r>
+            <a:r>
+              <a:rPr lang="en-US" sz="2000" dirty="0">
+                <a:solidFill>
+                  <a:schemeClr val="accent4"/>
+                </a:solidFill>
+              </a:rPr>
+              <a:t>, Ph.D.</a:t>
+            </a:r>
+            <a:br>
+              <a:rPr lang="en-US" sz="2000" dirty="0"/>
+            </a:br>
+            <a:endParaRPr lang="cs-CZ" altLang="cs-CZ" sz="2000" dirty="0">
+              <a:solidFill>
+                <a:schemeClr val="accent4"/>
+              </a:solidFill>
+            </a:endParaRPr>
+          </a:p>
+        </p:txBody>
+      </p:sp>
     </p:spTree>
+  </p:cSld>
+  <p:clrMapOvr>
+    <a:masterClrMapping/>
+  </p:clrMapOvr>
+</p:sld>
+</file>
+
+<file path=ppt/slides/slide10.xml><?xml version="1.0" encoding="utf-8"?>
+<p:sld xmlns:a="http://schemas.openxmlformats.org/drawingml/2006/main" xmlns:r="http://schemas.openxmlformats.org/officeDocument/2006/relationships" xmlns:p="http://schemas.openxmlformats.org/presentationml/2006/main">
+  <p:cSld>
+    <p:spTree>
+      <p:nvGrpSpPr>
+        <p:cNvPr id="1" name=""/>
+        <p:cNvGrpSpPr/>
+        <p:nvPr/>
+      </p:nvGrpSpPr>
+      <p:grpSpPr>
+        <a:xfrm>
+          <a:off x="0" y="0"/>
+          <a:ext cx="0" cy="0"/>
+          <a:chOff x="0" y="0"/>
+          <a:chExt cx="0" cy="0"/>
+        </a:xfrm>
+      </p:grpSpPr>
+      <p:sp>
+        <p:nvSpPr>
+          <p:cNvPr id="2" name="Content Placeholder 1">
+            <a:extLst>
+              <a:ext uri="{FF2B5EF4-FFF2-40B4-BE49-F238E27FC236}">
+                <a16:creationId xmlns:a16="http://schemas.microsoft.com/office/drawing/2014/main" id="{740ABAD6-9B1D-B955-17E3-AFEB1BE24B20}"/>
+              </a:ext>
+            </a:extLst>
+          </p:cNvPr>
+          <p:cNvSpPr>
+            <a:spLocks noGrp="1"/>
+          </p:cNvSpPr>
+          <p:nvPr>
+            <p:ph idx="1"/>
+          </p:nvPr>
+        </p:nvSpPr>
+        <p:spPr/>
+        <p:txBody>
+          <a:bodyPr/>
+          <a:lstStyle/>
+          <a:p>
+            <a:endParaRPr lang="cs-CZ"/>
+          </a:p>
+        </p:txBody>
+      </p:sp>
+      <p:sp>
+        <p:nvSpPr>
+          <p:cNvPr id="3" name="Text Placeholder 2">
+            <a:extLst>
+              <a:ext uri="{FF2B5EF4-FFF2-40B4-BE49-F238E27FC236}">
+                <a16:creationId xmlns:a16="http://schemas.microsoft.com/office/drawing/2014/main" id="{7896F981-8F6B-350E-AE11-CC185BF4970C}"/>
+              </a:ext>
+            </a:extLst>
+          </p:cNvPr>
+          <p:cNvSpPr>
+            <a:spLocks noGrp="1"/>
+          </p:cNvSpPr>
+          <p:nvPr>
+            <p:ph type="body" sz="quarter" idx="14"/>
+          </p:nvPr>
+        </p:nvSpPr>
+        <p:spPr/>
+        <p:txBody>
+          <a:bodyPr/>
+          <a:lstStyle/>
+          <a:p>
+            <a:r>
+              <a:rPr lang="cs-CZ" dirty="0" err="1"/>
+              <a:t>Potenciálni</a:t>
+            </a:r>
+            <a:r>
+              <a:rPr lang="cs-CZ" dirty="0"/>
+              <a:t>́ </a:t>
+            </a:r>
+            <a:r>
+              <a:rPr lang="cs-CZ" dirty="0" err="1"/>
+              <a:t>zlepšeni</a:t>
+            </a:r>
+            <a:r>
+              <a:rPr lang="cs-CZ" dirty="0"/>
+              <a:t>́ </a:t>
+            </a:r>
+          </a:p>
+          <a:p>
+            <a:endParaRPr lang="cs-CZ" dirty="0"/>
+          </a:p>
+        </p:txBody>
+      </p:sp>
+    </p:spTree>
+    <p:extLst>
+      <p:ext uri="{BB962C8B-B14F-4D97-AF65-F5344CB8AC3E}">
+        <p14:creationId xmlns:p14="http://schemas.microsoft.com/office/powerpoint/2010/main" val="2842525506"/>
+      </p:ext>
+    </p:extLst>
+  </p:cSld>
+  <p:clrMapOvr>
+    <a:masterClrMapping/>
+  </p:clrMapOvr>
+</p:sld>
+</file>
+
+<file path=ppt/slides/slide11.xml><?xml version="1.0" encoding="utf-8"?>
+<p:sld xmlns:a="http://schemas.openxmlformats.org/drawingml/2006/main" xmlns:r="http://schemas.openxmlformats.org/officeDocument/2006/relationships" xmlns:p="http://schemas.openxmlformats.org/presentationml/2006/main">
+  <p:cSld>
+    <p:spTree>
+      <p:nvGrpSpPr>
+        <p:cNvPr id="1" name=""/>
+        <p:cNvGrpSpPr/>
+        <p:nvPr/>
+      </p:nvGrpSpPr>
+      <p:grpSpPr>
+        <a:xfrm>
+          <a:off x="0" y="0"/>
+          <a:ext cx="0" cy="0"/>
+          <a:chOff x="0" y="0"/>
+          <a:chExt cx="0" cy="0"/>
+        </a:xfrm>
+      </p:grpSpPr>
+      <p:sp>
+        <p:nvSpPr>
+          <p:cNvPr id="2" name="Text Placeholder 1">
+            <a:extLst>
+              <a:ext uri="{FF2B5EF4-FFF2-40B4-BE49-F238E27FC236}">
+                <a16:creationId xmlns:a16="http://schemas.microsoft.com/office/drawing/2014/main" id="{356AA9E1-8C50-6FFF-DA00-E60A3D104AD9}"/>
+              </a:ext>
+            </a:extLst>
+          </p:cNvPr>
+          <p:cNvSpPr>
+            <a:spLocks noGrp="1"/>
+          </p:cNvSpPr>
+          <p:nvPr>
+            <p:ph type="body" sz="quarter" idx="15"/>
+          </p:nvPr>
+        </p:nvSpPr>
+        <p:spPr/>
+        <p:txBody>
+          <a:bodyPr anchor="ctr"/>
+          <a:lstStyle/>
+          <a:p>
+            <a:pPr algn="ctr"/>
+            <a:r>
+              <a:rPr lang="cs-CZ" dirty="0"/>
+              <a:t>Děkuji Vám za pozornost</a:t>
+            </a:r>
+          </a:p>
+        </p:txBody>
+      </p:sp>
+    </p:spTree>
+    <p:extLst>
+      <p:ext uri="{BB962C8B-B14F-4D97-AF65-F5344CB8AC3E}">
+        <p14:creationId xmlns:p14="http://schemas.microsoft.com/office/powerpoint/2010/main" val="2367768440"/>
+      </p:ext>
+    </p:extLst>
   </p:cSld>
   <p:clrMapOvr>
     <a:masterClrMapping/>
@@ -5783,31 +6227,6 @@
       </p:grpSpPr>
       <p:sp>
         <p:nvSpPr>
-          <p:cNvPr id="2" name="Content Placeholder 1">
-            <a:extLst>
-              <a:ext uri="{FF2B5EF4-FFF2-40B4-BE49-F238E27FC236}">
-                <a16:creationId xmlns:a16="http://schemas.microsoft.com/office/drawing/2014/main" id="{740ABAD6-9B1D-B955-17E3-AFEB1BE24B20}"/>
-              </a:ext>
-            </a:extLst>
-          </p:cNvPr>
-          <p:cNvSpPr>
-            <a:spLocks noGrp="1"/>
-          </p:cNvSpPr>
-          <p:nvPr>
-            <p:ph idx="1"/>
-          </p:nvPr>
-        </p:nvSpPr>
-        <p:spPr/>
-        <p:txBody>
-          <a:bodyPr/>
-          <a:lstStyle/>
-          <a:p>
-            <a:endParaRPr lang="cs-CZ" dirty="0"/>
-          </a:p>
-        </p:txBody>
-      </p:sp>
-      <p:sp>
-        <p:nvSpPr>
           <p:cNvPr id="3" name="Text Placeholder 2">
             <a:extLst>
               <a:ext uri="{FF2B5EF4-FFF2-40B4-BE49-F238E27FC236}">
@@ -5822,9 +6241,16 @@
             <p:ph type="body" sz="quarter" idx="14"/>
           </p:nvPr>
         </p:nvSpPr>
-        <p:spPr/>
-        <p:txBody>
-          <a:bodyPr/>
+        <p:spPr>
+          <a:xfrm>
+            <a:off x="885825" y="419101"/>
+            <a:ext cx="10826750" cy="619125"/>
+          </a:xfrm>
+        </p:spPr>
+        <p:txBody>
+          <a:bodyPr>
+            <a:normAutofit/>
+          </a:bodyPr>
           <a:lstStyle/>
           <a:p>
             <a:r>
@@ -5834,6 +6260,43 @@
           </a:p>
         </p:txBody>
       </p:sp>
+      <p:pic>
+        <p:nvPicPr>
+          <p:cNvPr id="5" name="Content Placeholder 4" descr="A diagram of a computer&#10;&#10;Description automatically generated">
+            <a:extLst>
+              <a:ext uri="{FF2B5EF4-FFF2-40B4-BE49-F238E27FC236}">
+                <a16:creationId xmlns:a16="http://schemas.microsoft.com/office/drawing/2014/main" id="{92871A26-BE86-D473-E473-992CD1E49DDC}"/>
+              </a:ext>
+            </a:extLst>
+          </p:cNvPr>
+          <p:cNvPicPr>
+            <a:picLocks noGrp="1" noChangeAspect="1"/>
+          </p:cNvPicPr>
+          <p:nvPr>
+            <p:ph type="pic" sz="quarter" idx="16"/>
+          </p:nvPr>
+        </p:nvPicPr>
+        <p:blipFill>
+          <a:blip r:embed="rId2">
+            <a:extLst>
+              <a:ext uri="{28A0092B-C50C-407E-A947-70E740481C1C}">
+                <a14:useLocalDpi xmlns:a14="http://schemas.microsoft.com/office/drawing/2010/main" val="0"/>
+              </a:ext>
+            </a:extLst>
+          </a:blip>
+          <a:stretch/>
+        </p:blipFill>
+        <p:spPr>
+          <a:xfrm>
+            <a:off x="3389863" y="1219200"/>
+            <a:ext cx="5818674" cy="4989513"/>
+          </a:xfrm>
+          <a:prstGeom prst="rect">
+            <a:avLst/>
+          </a:prstGeom>
+          <a:noFill/>
+        </p:spPr>
+      </p:pic>
     </p:spTree>
     <p:extLst>
       <p:ext uri="{BB962C8B-B14F-4D97-AF65-F5344CB8AC3E}">
@@ -5866,10 +6329,10 @@
       </p:grpSpPr>
       <p:sp>
         <p:nvSpPr>
-          <p:cNvPr id="2" name="Content Placeholder 1">
+          <p:cNvPr id="4" name="Content Placeholder 3">
             <a:extLst>
               <a:ext uri="{FF2B5EF4-FFF2-40B4-BE49-F238E27FC236}">
-                <a16:creationId xmlns:a16="http://schemas.microsoft.com/office/drawing/2014/main" id="{740ABAD6-9B1D-B955-17E3-AFEB1BE24B20}"/>
+                <a16:creationId xmlns:a16="http://schemas.microsoft.com/office/drawing/2014/main" id="{35226E27-4DBB-1312-1DF4-50F5030430DA}"/>
               </a:ext>
             </a:extLst>
           </p:cNvPr>
@@ -5877,15 +6340,331 @@
             <a:spLocks noGrp="1"/>
           </p:cNvSpPr>
           <p:nvPr>
-            <p:ph idx="1"/>
+            <p:ph sz="half" idx="1"/>
           </p:nvPr>
         </p:nvSpPr>
-        <p:spPr/>
+        <p:spPr>
+          <a:xfrm>
+            <a:off x="885822" y="1200150"/>
+            <a:ext cx="5210177" cy="5460626"/>
+          </a:xfrm>
+        </p:spPr>
         <p:txBody>
           <a:bodyPr/>
           <a:lstStyle/>
           <a:p>
-            <a:endParaRPr lang="cs-CZ"/>
+            <a:r>
+              <a:rPr lang="cs-CZ" b="1" dirty="0"/>
+              <a:t>Zvolený postup: </a:t>
+            </a:r>
+          </a:p>
+          <a:p>
+            <a:pPr marL="285750" indent="-285750">
+              <a:buFont typeface="Arial" panose="020B0604020202020204" pitchFamily="34" charset="0"/>
+              <a:buChar char="•"/>
+            </a:pPr>
+            <a:r>
+              <a:rPr lang="cs-CZ" sz="1800" dirty="0" err="1"/>
+              <a:t>Raspberry</a:t>
+            </a:r>
+            <a:r>
+              <a:rPr lang="cs-CZ" sz="1800" dirty="0"/>
+              <a:t> </a:t>
+            </a:r>
+            <a:r>
+              <a:rPr lang="cs-CZ" sz="1800" dirty="0" err="1"/>
+              <a:t>Pi</a:t>
+            </a:r>
+            <a:r>
+              <a:rPr lang="cs-CZ" sz="1800" dirty="0"/>
+              <a:t> 3 Model B+ </a:t>
+            </a:r>
+          </a:p>
+          <a:p>
+            <a:pPr marL="285750" indent="-285750">
+              <a:buFont typeface="Arial" panose="020B0604020202020204" pitchFamily="34" charset="0"/>
+              <a:buChar char="•"/>
+            </a:pPr>
+            <a:r>
+              <a:rPr lang="cs-CZ" sz="1800" dirty="0" err="1"/>
+              <a:t>OctoPrint</a:t>
+            </a:r>
+            <a:r>
+              <a:rPr lang="cs-CZ" sz="1800" dirty="0"/>
+              <a:t> </a:t>
+            </a:r>
+          </a:p>
+          <a:p>
+            <a:pPr marL="285750" indent="-285750">
+              <a:buFont typeface="Arial" panose="020B0604020202020204" pitchFamily="34" charset="0"/>
+              <a:buChar char="•"/>
+            </a:pPr>
+            <a:r>
+              <a:rPr lang="cs-CZ" sz="1800" dirty="0" err="1"/>
+              <a:t>Original</a:t>
+            </a:r>
+            <a:r>
+              <a:rPr lang="cs-CZ" sz="1800" dirty="0"/>
+              <a:t> Prusa i3 MK2.5S</a:t>
+            </a:r>
+          </a:p>
+          <a:p>
+            <a:pPr marL="285750" indent="-285750">
+              <a:buFont typeface="Arial" panose="020B0604020202020204" pitchFamily="34" charset="0"/>
+              <a:buChar char="•"/>
+            </a:pPr>
+            <a:r>
+              <a:rPr lang="cs-CZ" sz="1800" dirty="0"/>
+              <a:t>FE – </a:t>
+            </a:r>
+            <a:r>
+              <a:rPr lang="cs-CZ" sz="1800" dirty="0" err="1"/>
+              <a:t>Vue</a:t>
+            </a:r>
+            <a:r>
+              <a:rPr lang="cs-CZ" sz="1800" dirty="0"/>
+              <a:t>, </a:t>
+            </a:r>
+            <a:r>
+              <a:rPr lang="cs-CZ" sz="1800" dirty="0" err="1"/>
+              <a:t>Vuetify</a:t>
+            </a:r>
+            <a:r>
+              <a:rPr lang="cs-CZ" sz="1800" dirty="0"/>
+              <a:t>, JavaScript</a:t>
+            </a:r>
+          </a:p>
+          <a:p>
+            <a:pPr marL="285750" indent="-285750">
+              <a:buFont typeface="Arial" panose="020B0604020202020204" pitchFamily="34" charset="0"/>
+              <a:buChar char="•"/>
+            </a:pPr>
+            <a:r>
+              <a:rPr lang="cs-CZ" sz="1800" dirty="0"/>
+              <a:t>BE – Express, </a:t>
+            </a:r>
+            <a:r>
+              <a:rPr lang="cs-CZ" sz="1800" dirty="0" err="1"/>
+              <a:t>SQLite</a:t>
+            </a:r>
+            <a:r>
+              <a:rPr lang="cs-CZ" sz="1800" dirty="0"/>
+              <a:t>, JavaScript</a:t>
+            </a:r>
+          </a:p>
+          <a:p>
+            <a:endParaRPr lang="cs-CZ" dirty="0"/>
+          </a:p>
+          <a:p>
+            <a:r>
+              <a:rPr lang="cs-CZ" b="1" dirty="0">
+                <a:solidFill>
+                  <a:schemeClr val="accent4"/>
+                </a:solidFill>
+              </a:rPr>
+              <a:t>Výhody zvoleného postupu:</a:t>
+            </a:r>
+          </a:p>
+          <a:p>
+            <a:pPr marL="285750" indent="-285750">
+              <a:buFont typeface="Arial" panose="020B0604020202020204" pitchFamily="34" charset="0"/>
+              <a:buChar char="•"/>
+            </a:pPr>
+            <a:r>
+              <a:rPr lang="en-US" sz="1800" b="0" i="0" u="none" strike="noStrike" dirty="0" err="1">
+                <a:solidFill>
+                  <a:srgbClr val="000000"/>
+                </a:solidFill>
+                <a:effectLst/>
+                <a:latin typeface="Arial" panose="020B0604020202020204" pitchFamily="34" charset="0"/>
+              </a:rPr>
+              <a:t>řadu</a:t>
+            </a:r>
+            <a:r>
+              <a:rPr lang="en-US" sz="1800" b="0" i="0" u="none" strike="noStrike" dirty="0">
+                <a:solidFill>
+                  <a:srgbClr val="000000"/>
+                </a:solidFill>
+                <a:effectLst/>
+                <a:latin typeface="Arial" panose="020B0604020202020204" pitchFamily="34" charset="0"/>
+              </a:rPr>
+              <a:t> </a:t>
+            </a:r>
+            <a:r>
+              <a:rPr lang="en-US" sz="1800" b="0" i="0" u="none" strike="noStrike" dirty="0" err="1">
+                <a:solidFill>
+                  <a:srgbClr val="000000"/>
+                </a:solidFill>
+                <a:effectLst/>
+                <a:latin typeface="Arial" panose="020B0604020202020204" pitchFamily="34" charset="0"/>
+              </a:rPr>
+              <a:t>možností</a:t>
+            </a:r>
+            <a:r>
+              <a:rPr lang="en-US" sz="1800" b="0" i="0" u="none" strike="noStrike" dirty="0">
+                <a:solidFill>
+                  <a:srgbClr val="000000"/>
+                </a:solidFill>
+                <a:effectLst/>
+                <a:latin typeface="Arial" panose="020B0604020202020204" pitchFamily="34" charset="0"/>
+              </a:rPr>
+              <a:t> </a:t>
+            </a:r>
+            <a:r>
+              <a:rPr lang="en-US" sz="1800" b="0" i="0" u="none" strike="noStrike" dirty="0" err="1">
+                <a:solidFill>
+                  <a:srgbClr val="000000"/>
+                </a:solidFill>
+                <a:effectLst/>
+                <a:latin typeface="Arial" panose="020B0604020202020204" pitchFamily="34" charset="0"/>
+              </a:rPr>
+              <a:t>rozšíření</a:t>
+            </a:r>
+            <a:r>
+              <a:rPr lang="en-US" sz="1800" b="0" i="0" u="none" strike="noStrike" dirty="0">
+                <a:solidFill>
+                  <a:srgbClr val="000000"/>
+                </a:solidFill>
+                <a:effectLst/>
+                <a:latin typeface="Arial" panose="020B0604020202020204" pitchFamily="34" charset="0"/>
+              </a:rPr>
+              <a:t> </a:t>
+            </a:r>
+            <a:r>
+              <a:rPr lang="en-US" sz="1800" b="0" i="0" u="none" strike="noStrike" dirty="0" err="1">
+                <a:solidFill>
+                  <a:srgbClr val="000000"/>
+                </a:solidFill>
+                <a:effectLst/>
+                <a:latin typeface="Arial" panose="020B0604020202020204" pitchFamily="34" charset="0"/>
+              </a:rPr>
+              <a:t>díky</a:t>
+            </a:r>
+            <a:r>
+              <a:rPr lang="en-US" sz="1800" b="0" i="0" u="none" strike="noStrike" dirty="0">
+                <a:solidFill>
+                  <a:srgbClr val="000000"/>
+                </a:solidFill>
+                <a:effectLst/>
+                <a:latin typeface="Arial" panose="020B0604020202020204" pitchFamily="34" charset="0"/>
+              </a:rPr>
+              <a:t> </a:t>
+            </a:r>
+            <a:r>
+              <a:rPr lang="en-US" sz="1800" b="0" i="0" u="none" strike="noStrike" dirty="0" err="1">
+                <a:solidFill>
+                  <a:srgbClr val="000000"/>
+                </a:solidFill>
+                <a:effectLst/>
+                <a:latin typeface="Arial" panose="020B0604020202020204" pitchFamily="34" charset="0"/>
+              </a:rPr>
+              <a:t>dostupnosti</a:t>
+            </a:r>
+            <a:r>
+              <a:rPr lang="en-US" sz="1800" b="0" i="0" u="none" strike="noStrike" dirty="0">
+                <a:solidFill>
+                  <a:srgbClr val="000000"/>
+                </a:solidFill>
+                <a:effectLst/>
+                <a:latin typeface="Arial" panose="020B0604020202020204" pitchFamily="34" charset="0"/>
+              </a:rPr>
+              <a:t> </a:t>
+            </a:r>
+            <a:r>
+              <a:rPr lang="en-US" sz="1800" b="0" i="0" u="none" strike="noStrike" dirty="0" err="1">
+                <a:solidFill>
+                  <a:srgbClr val="000000"/>
+                </a:solidFill>
+                <a:effectLst/>
+                <a:latin typeface="Arial" panose="020B0604020202020204" pitchFamily="34" charset="0"/>
+              </a:rPr>
+              <a:t>pluginu</a:t>
+            </a:r>
+            <a:r>
+              <a:rPr lang="en-US" sz="1800" b="0" i="0" u="none" strike="noStrike" dirty="0">
+                <a:solidFill>
+                  <a:srgbClr val="000000"/>
+                </a:solidFill>
+                <a:effectLst/>
+                <a:latin typeface="Arial" panose="020B0604020202020204" pitchFamily="34" charset="0"/>
+              </a:rPr>
+              <a:t>̊</a:t>
+            </a:r>
+          </a:p>
+          <a:p>
+            <a:pPr marL="285750" indent="-285750">
+              <a:buFont typeface="Arial" panose="020B0604020202020204" pitchFamily="34" charset="0"/>
+              <a:buChar char="•"/>
+            </a:pPr>
+            <a:r>
+              <a:rPr lang="cs-CZ" sz="1800" dirty="0"/>
+              <a:t>kompatibilita s 3D </a:t>
+            </a:r>
+            <a:r>
+              <a:rPr lang="cs-CZ" sz="1800" dirty="0" err="1"/>
+              <a:t>tiskárnami</a:t>
+            </a:r>
+            <a:r>
+              <a:rPr lang="cs-CZ" sz="1800" dirty="0"/>
+              <a:t> </a:t>
+            </a:r>
+            <a:r>
+              <a:rPr lang="cs-CZ" sz="1800" dirty="0" err="1"/>
+              <a:t>různých</a:t>
+            </a:r>
+            <a:r>
+              <a:rPr lang="cs-CZ" sz="1800" dirty="0"/>
+              <a:t> </a:t>
+            </a:r>
+            <a:r>
+              <a:rPr lang="cs-CZ" sz="1800" dirty="0" err="1"/>
+              <a:t>výrobcu</a:t>
+            </a:r>
+            <a:r>
+              <a:rPr lang="cs-CZ" sz="1800" dirty="0"/>
+              <a:t>̊</a:t>
+            </a:r>
+          </a:p>
+          <a:p>
+            <a:pPr marL="285750" indent="-285750">
+              <a:buFont typeface="Arial" panose="020B0604020202020204" pitchFamily="34" charset="0"/>
+              <a:buChar char="•"/>
+            </a:pPr>
+            <a:r>
+              <a:rPr lang="cs-CZ" sz="1800" dirty="0"/>
+              <a:t>reaktivní uživatelské rozhraní</a:t>
+            </a:r>
+          </a:p>
+          <a:p>
+            <a:pPr marL="285750" indent="-285750">
+              <a:buFont typeface="Arial" panose="020B0604020202020204" pitchFamily="34" charset="0"/>
+              <a:buChar char="•"/>
+            </a:pPr>
+            <a:r>
+              <a:rPr lang="cs-CZ" sz="1800" dirty="0"/>
+              <a:t>unifikovaný jazyk</a:t>
+            </a:r>
+          </a:p>
+          <a:p>
+            <a:pPr marL="285750" indent="-285750">
+              <a:buFont typeface="Arial" panose="020B0604020202020204" pitchFamily="34" charset="0"/>
+              <a:buChar char="•"/>
+            </a:pPr>
+            <a:endParaRPr lang="cs-CZ" sz="1800" dirty="0"/>
+          </a:p>
+          <a:p>
+            <a:pPr marL="285750" indent="-285750">
+              <a:buFont typeface="Arial" panose="020B0604020202020204" pitchFamily="34" charset="0"/>
+              <a:buChar char="•"/>
+            </a:pPr>
+            <a:endParaRPr lang="cs-CZ" sz="1800" dirty="0"/>
+          </a:p>
+          <a:p>
+            <a:pPr marL="285750" indent="-285750">
+              <a:buFont typeface="Arial" panose="020B0604020202020204" pitchFamily="34" charset="0"/>
+              <a:buChar char="•"/>
+            </a:pPr>
+            <a:endParaRPr lang="cs-CZ" sz="1800" dirty="0"/>
           </a:p>
         </p:txBody>
       </p:sp>
@@ -5912,15 +6691,372 @@
           <a:p>
             <a:r>
               <a:rPr lang="cs-CZ" dirty="0"/>
-              <a:t>Implementace </a:t>
-            </a:r>
+              <a:t>Metodika </a:t>
+            </a:r>
+          </a:p>
+        </p:txBody>
+      </p:sp>
+      <p:sp>
+        <p:nvSpPr>
+          <p:cNvPr id="5" name="Content Placeholder 4">
+            <a:extLst>
+              <a:ext uri="{FF2B5EF4-FFF2-40B4-BE49-F238E27FC236}">
+                <a16:creationId xmlns:a16="http://schemas.microsoft.com/office/drawing/2014/main" id="{A583A222-F8C8-937D-0BE6-7893E1FAA7E3}"/>
+              </a:ext>
+            </a:extLst>
+          </p:cNvPr>
+          <p:cNvSpPr>
+            <a:spLocks noGrp="1"/>
+          </p:cNvSpPr>
+          <p:nvPr>
+            <p:ph sz="half" idx="15"/>
+          </p:nvPr>
+        </p:nvSpPr>
+        <p:spPr>
+          <a:xfrm>
+            <a:off x="6305550" y="1200149"/>
+            <a:ext cx="5407025" cy="5460626"/>
+          </a:xfrm>
+        </p:spPr>
+        <p:txBody>
+          <a:bodyPr/>
+          <a:lstStyle/>
+          <a:p>
+            <a:r>
+              <a:rPr lang="cs-CZ" b="1" dirty="0" err="1"/>
+              <a:t>Analýza</a:t>
+            </a:r>
+            <a:r>
+              <a:rPr lang="cs-CZ" b="1" dirty="0"/>
+              <a:t> </a:t>
+            </a:r>
+            <a:r>
+              <a:rPr lang="cs-CZ" b="1" dirty="0" err="1"/>
+              <a:t>požadavku</a:t>
+            </a:r>
+            <a:r>
+              <a:rPr lang="cs-CZ" b="1" dirty="0"/>
+              <a:t>̊:</a:t>
+            </a:r>
+            <a:endParaRPr lang="cs-CZ" dirty="0"/>
+          </a:p>
+          <a:p>
+            <a:pPr marL="285750" indent="-285750">
+              <a:buFont typeface="Arial" panose="020B0604020202020204" pitchFamily="34" charset="0"/>
+              <a:buChar char="•"/>
+            </a:pPr>
+            <a:r>
+              <a:rPr lang="cs-CZ" sz="1800" dirty="0"/>
+              <a:t>přehledné rozhraní</a:t>
+            </a:r>
+          </a:p>
+          <a:p>
+            <a:pPr marL="285750" indent="-285750">
+              <a:buFont typeface="Arial" panose="020B0604020202020204" pitchFamily="34" charset="0"/>
+              <a:buChar char="•"/>
+            </a:pPr>
+            <a:r>
+              <a:rPr lang="cs-CZ" sz="1800" dirty="0"/>
+              <a:t>rezervace</a:t>
+            </a:r>
+          </a:p>
+          <a:p>
+            <a:pPr marL="285750" indent="-285750">
+              <a:buFont typeface="Arial" panose="020B0604020202020204" pitchFamily="34" charset="0"/>
+              <a:buChar char="•"/>
+            </a:pPr>
+            <a:r>
+              <a:rPr lang="cs-CZ" sz="1800" dirty="0"/>
+              <a:t>role</a:t>
+            </a:r>
+          </a:p>
+          <a:p>
+            <a:pPr marL="285750" indent="-285750">
+              <a:buFont typeface="Arial" panose="020B0604020202020204" pitchFamily="34" charset="0"/>
+              <a:buChar char="•"/>
+            </a:pPr>
+            <a:r>
+              <a:rPr lang="cs-CZ" sz="1800" dirty="0"/>
+              <a:t>výukové bloky</a:t>
+            </a:r>
+          </a:p>
+          <a:p>
+            <a:pPr marL="285750" indent="-285750">
+              <a:buFont typeface="Arial" panose="020B0604020202020204" pitchFamily="34" charset="0"/>
+              <a:buChar char="•"/>
+            </a:pPr>
+            <a:r>
+              <a:rPr lang="cs-CZ" sz="1800" dirty="0"/>
+              <a:t>gamifikace</a:t>
+            </a:r>
+          </a:p>
+          <a:p>
+            <a:endParaRPr lang="cs-CZ" dirty="0"/>
+          </a:p>
+          <a:p>
+            <a:r>
+              <a:rPr lang="cs-CZ" b="1" dirty="0" err="1">
+                <a:solidFill>
+                  <a:schemeClr val="accent4"/>
+                </a:solidFill>
+              </a:rPr>
+              <a:t>Požadavky</a:t>
+            </a:r>
+            <a:r>
+              <a:rPr lang="cs-CZ" b="1" dirty="0">
+                <a:solidFill>
+                  <a:schemeClr val="accent4"/>
+                </a:solidFill>
+              </a:rPr>
+              <a:t> </a:t>
+            </a:r>
+            <a:r>
+              <a:rPr lang="cs-CZ" b="1" dirty="0" err="1">
+                <a:solidFill>
+                  <a:schemeClr val="accent4"/>
+                </a:solidFill>
+              </a:rPr>
+              <a:t>vyučujících</a:t>
+            </a:r>
+            <a:r>
+              <a:rPr lang="cs-CZ" b="1" dirty="0">
+                <a:solidFill>
+                  <a:schemeClr val="accent4"/>
+                </a:solidFill>
+              </a:rPr>
+              <a:t>: </a:t>
+            </a:r>
+          </a:p>
+          <a:p>
+            <a:pPr marL="285750" indent="-285750" rtl="0">
+              <a:spcBef>
+                <a:spcPts val="1000"/>
+              </a:spcBef>
+              <a:spcAft>
+                <a:spcPts val="0"/>
+              </a:spcAft>
+              <a:buFont typeface="Arial" panose="020B0604020202020204" pitchFamily="34" charset="0"/>
+              <a:buChar char="•"/>
+            </a:pPr>
+            <a:r>
+              <a:rPr lang="en-US" sz="1800" b="0" i="0" u="none" strike="noStrike" dirty="0" err="1">
+                <a:solidFill>
+                  <a:srgbClr val="000000"/>
+                </a:solidFill>
+                <a:effectLst/>
+                <a:latin typeface="Arial" panose="020B0604020202020204" pitchFamily="34" charset="0"/>
+              </a:rPr>
+              <a:t>výběr</a:t>
+            </a:r>
+            <a:r>
+              <a:rPr lang="en-US" sz="1800" b="0" i="0" u="none" strike="noStrike" dirty="0">
+                <a:solidFill>
+                  <a:srgbClr val="000000"/>
+                </a:solidFill>
+                <a:effectLst/>
+                <a:latin typeface="Arial" panose="020B0604020202020204" pitchFamily="34" charset="0"/>
+              </a:rPr>
+              <a:t> a </a:t>
+            </a:r>
+            <a:r>
+              <a:rPr lang="en-US" sz="1800" b="0" i="0" u="none" strike="noStrike" dirty="0" err="1">
+                <a:solidFill>
+                  <a:srgbClr val="000000"/>
+                </a:solidFill>
+                <a:effectLst/>
+                <a:latin typeface="Arial" panose="020B0604020202020204" pitchFamily="34" charset="0"/>
+              </a:rPr>
+              <a:t>vlastnosti</a:t>
+            </a:r>
+            <a:r>
+              <a:rPr lang="en-US" sz="1800" b="0" i="0" u="none" strike="noStrike" dirty="0">
+                <a:solidFill>
+                  <a:srgbClr val="000000"/>
+                </a:solidFill>
+                <a:effectLst/>
+                <a:latin typeface="Arial" panose="020B0604020202020204" pitchFamily="34" charset="0"/>
+              </a:rPr>
+              <a:t> </a:t>
+            </a:r>
+            <a:r>
+              <a:rPr lang="en-US" sz="1800" b="0" i="0" u="none" strike="noStrike" dirty="0" err="1">
+                <a:solidFill>
+                  <a:srgbClr val="000000"/>
+                </a:solidFill>
+                <a:effectLst/>
+                <a:latin typeface="Arial" panose="020B0604020202020204" pitchFamily="34" charset="0"/>
+              </a:rPr>
+              <a:t>materiálu</a:t>
+            </a:r>
+            <a:endParaRPr lang="en-US" sz="1400" b="0" dirty="0">
+              <a:effectLst/>
+            </a:endParaRPr>
+          </a:p>
+          <a:p>
+            <a:pPr marL="285750" indent="-285750" rtl="0">
+              <a:spcBef>
+                <a:spcPts val="1000"/>
+              </a:spcBef>
+              <a:spcAft>
+                <a:spcPts val="0"/>
+              </a:spcAft>
+              <a:buFont typeface="Arial" panose="020B0604020202020204" pitchFamily="34" charset="0"/>
+              <a:buChar char="•"/>
+            </a:pPr>
+            <a:r>
+              <a:rPr lang="en-US" sz="1800" b="0" i="0" u="none" strike="noStrike" dirty="0" err="1">
+                <a:solidFill>
+                  <a:srgbClr val="000000"/>
+                </a:solidFill>
+                <a:effectLst/>
+                <a:latin typeface="Arial" panose="020B0604020202020204" pitchFamily="34" charset="0"/>
+              </a:rPr>
+              <a:t>zvýšeni</a:t>
+            </a:r>
+            <a:r>
+              <a:rPr lang="en-US" sz="1800" b="0" i="0" u="none" strike="noStrike" dirty="0">
+                <a:solidFill>
+                  <a:srgbClr val="000000"/>
+                </a:solidFill>
+                <a:effectLst/>
+                <a:latin typeface="Arial" panose="020B0604020202020204" pitchFamily="34" charset="0"/>
+              </a:rPr>
+              <a:t>́ </a:t>
+            </a:r>
+            <a:r>
+              <a:rPr lang="en-US" sz="1800" b="0" i="0" u="none" strike="noStrike" dirty="0" err="1">
+                <a:solidFill>
+                  <a:srgbClr val="000000"/>
+                </a:solidFill>
+                <a:effectLst/>
+                <a:latin typeface="Arial" panose="020B0604020202020204" pitchFamily="34" charset="0"/>
+              </a:rPr>
+              <a:t>povědomí</a:t>
+            </a:r>
+            <a:r>
+              <a:rPr lang="en-US" sz="1800" b="0" i="0" u="none" strike="noStrike" dirty="0">
+                <a:solidFill>
+                  <a:srgbClr val="000000"/>
+                </a:solidFill>
+                <a:effectLst/>
+                <a:latin typeface="Arial" panose="020B0604020202020204" pitchFamily="34" charset="0"/>
+              </a:rPr>
+              <a:t> o </a:t>
+            </a:r>
+            <a:r>
+              <a:rPr lang="en-US" sz="1800" b="0" i="0" u="none" strike="noStrike" dirty="0" err="1">
+                <a:solidFill>
+                  <a:srgbClr val="000000"/>
+                </a:solidFill>
+                <a:effectLst/>
+                <a:latin typeface="Arial" panose="020B0604020202020204" pitchFamily="34" charset="0"/>
+              </a:rPr>
+              <a:t>různých</a:t>
+            </a:r>
+            <a:r>
+              <a:rPr lang="en-US" sz="1800" b="0" i="0" u="none" strike="noStrike" dirty="0">
+                <a:solidFill>
+                  <a:srgbClr val="000000"/>
+                </a:solidFill>
+                <a:effectLst/>
+                <a:latin typeface="Arial" panose="020B0604020202020204" pitchFamily="34" charset="0"/>
+              </a:rPr>
+              <a:t> </a:t>
+            </a:r>
+            <a:r>
+              <a:rPr lang="en-US" sz="1800" b="0" i="0" u="none" strike="noStrike" dirty="0" err="1">
+                <a:solidFill>
+                  <a:srgbClr val="000000"/>
+                </a:solidFill>
+                <a:effectLst/>
+                <a:latin typeface="Arial" panose="020B0604020202020204" pitchFamily="34" charset="0"/>
+              </a:rPr>
+              <a:t>typech</a:t>
+            </a:r>
+            <a:r>
+              <a:rPr lang="en-US" sz="1800" b="0" i="0" u="none" strike="noStrike" dirty="0">
+                <a:solidFill>
+                  <a:srgbClr val="000000"/>
+                </a:solidFill>
+                <a:effectLst/>
+                <a:latin typeface="Arial" panose="020B0604020202020204" pitchFamily="34" charset="0"/>
+              </a:rPr>
+              <a:t> 3D </a:t>
+            </a:r>
+            <a:r>
+              <a:rPr lang="en-US" sz="1800" b="0" i="0" u="none" strike="noStrike" dirty="0" err="1">
+                <a:solidFill>
+                  <a:srgbClr val="000000"/>
+                </a:solidFill>
+                <a:effectLst/>
+                <a:latin typeface="Arial" panose="020B0604020202020204" pitchFamily="34" charset="0"/>
+              </a:rPr>
+              <a:t>tiskáren</a:t>
+            </a:r>
+            <a:endParaRPr lang="en-US" sz="1400" b="0" dirty="0">
+              <a:effectLst/>
+            </a:endParaRPr>
+          </a:p>
+          <a:p>
+            <a:pPr marL="285750" indent="-285750" rtl="0">
+              <a:spcBef>
+                <a:spcPts val="1000"/>
+              </a:spcBef>
+              <a:spcAft>
+                <a:spcPts val="0"/>
+              </a:spcAft>
+              <a:buFont typeface="Arial" panose="020B0604020202020204" pitchFamily="34" charset="0"/>
+              <a:buChar char="•"/>
+            </a:pPr>
+            <a:r>
+              <a:rPr lang="en-US" sz="1800" b="0" i="0" u="none" strike="noStrike" dirty="0" err="1">
+                <a:solidFill>
+                  <a:srgbClr val="000000"/>
+                </a:solidFill>
+                <a:effectLst/>
+                <a:latin typeface="Arial" panose="020B0604020202020204" pitchFamily="34" charset="0"/>
+              </a:rPr>
+              <a:t>základni</a:t>
+            </a:r>
+            <a:r>
+              <a:rPr lang="en-US" sz="1800" b="0" i="0" u="none" strike="noStrike" dirty="0">
+                <a:solidFill>
+                  <a:srgbClr val="000000"/>
+                </a:solidFill>
+                <a:effectLst/>
+                <a:latin typeface="Arial" panose="020B0604020202020204" pitchFamily="34" charset="0"/>
+              </a:rPr>
+              <a:t>́ </a:t>
+            </a:r>
+            <a:r>
+              <a:rPr lang="en-US" sz="1800" b="0" i="0" u="none" strike="noStrike" dirty="0" err="1">
+                <a:solidFill>
+                  <a:srgbClr val="000000"/>
+                </a:solidFill>
+                <a:effectLst/>
+                <a:latin typeface="Arial" panose="020B0604020202020204" pitchFamily="34" charset="0"/>
+              </a:rPr>
+              <a:t>údržba</a:t>
+            </a:r>
+            <a:endParaRPr lang="en-US" sz="1400" b="0" dirty="0">
+              <a:effectLst/>
+            </a:endParaRPr>
+          </a:p>
+          <a:p>
+            <a:br>
+              <a:rPr lang="en-US" sz="1400" dirty="0"/>
+            </a:br>
+            <a:endParaRPr lang="cs-CZ" dirty="0"/>
+          </a:p>
+          <a:p>
+            <a:endParaRPr lang="cs-CZ" dirty="0"/>
           </a:p>
         </p:txBody>
       </p:sp>
     </p:spTree>
     <p:extLst>
       <p:ext uri="{BB962C8B-B14F-4D97-AF65-F5344CB8AC3E}">
-        <p14:creationId xmlns:p14="http://schemas.microsoft.com/office/powerpoint/2010/main" val="3877643473"/>
+        <p14:creationId xmlns:p14="http://schemas.microsoft.com/office/powerpoint/2010/main" val="2555152445"/>
       </p:ext>
     </p:extLst>
   </p:cSld>
@@ -5947,31 +7083,41 @@
           <a:chExt cx="0" cy="0"/>
         </a:xfrm>
       </p:grpSpPr>
-      <p:sp>
-        <p:nvSpPr>
-          <p:cNvPr id="2" name="Content Placeholder 1">
+      <p:pic>
+        <p:nvPicPr>
+          <p:cNvPr id="5" name="Content Placeholder 4" descr="A screenshot of a calendar&#10;&#10;Description automatically generated">
             <a:extLst>
               <a:ext uri="{FF2B5EF4-FFF2-40B4-BE49-F238E27FC236}">
-                <a16:creationId xmlns:a16="http://schemas.microsoft.com/office/drawing/2014/main" id="{740ABAD6-9B1D-B955-17E3-AFEB1BE24B20}"/>
+                <a16:creationId xmlns:a16="http://schemas.microsoft.com/office/drawing/2014/main" id="{9A259A26-877B-6702-F57F-002108EE3D84}"/>
               </a:ext>
             </a:extLst>
           </p:cNvPr>
-          <p:cNvSpPr>
-            <a:spLocks noGrp="1"/>
-          </p:cNvSpPr>
+          <p:cNvPicPr>
+            <a:picLocks noGrp="1" noChangeAspect="1"/>
+          </p:cNvPicPr>
           <p:nvPr>
             <p:ph idx="1"/>
           </p:nvPr>
-        </p:nvSpPr>
-        <p:spPr/>
-        <p:txBody>
-          <a:bodyPr/>
-          <a:lstStyle/>
-          <a:p>
-            <a:endParaRPr lang="cs-CZ"/>
-          </a:p>
-        </p:txBody>
-      </p:sp>
+        </p:nvPicPr>
+        <p:blipFill>
+          <a:blip r:embed="rId2">
+            <a:extLst>
+              <a:ext uri="{28A0092B-C50C-407E-A947-70E740481C1C}">
+                <a14:useLocalDpi xmlns:a14="http://schemas.microsoft.com/office/drawing/2010/main" val="0"/>
+              </a:ext>
+            </a:extLst>
+          </a:blip>
+          <a:stretch>
+            <a:fillRect/>
+          </a:stretch>
+        </p:blipFill>
+        <p:spPr>
+          <a:xfrm>
+            <a:off x="885824" y="1038226"/>
+            <a:ext cx="9349065" cy="5819774"/>
+          </a:xfrm>
+        </p:spPr>
+      </p:pic>
       <p:sp>
         <p:nvSpPr>
           <p:cNvPr id="3" name="Text Placeholder 2">
@@ -5994,31 +7140,16 @@
           <a:lstStyle/>
           <a:p>
             <a:r>
-              <a:rPr lang="cs-CZ" dirty="0" err="1"/>
-              <a:t>Potenciálni</a:t>
-            </a:r>
-            <a:r>
               <a:rPr lang="cs-CZ" dirty="0"/>
-              <a:t>́ </a:t>
-            </a:r>
-            <a:r>
-              <a:rPr lang="cs-CZ" dirty="0" err="1"/>
-              <a:t>zlepšeni</a:t>
-            </a:r>
-            <a:r>
-              <a:rPr lang="cs-CZ" dirty="0"/>
-              <a:t>́ </a:t>
-            </a:r>
-          </a:p>
-          <a:p>
-            <a:endParaRPr lang="cs-CZ" dirty="0"/>
+              <a:t>Design </a:t>
+            </a:r>
           </a:p>
         </p:txBody>
       </p:sp>
     </p:spTree>
     <p:extLst>
       <p:ext uri="{BB962C8B-B14F-4D97-AF65-F5344CB8AC3E}">
-        <p14:creationId xmlns:p14="http://schemas.microsoft.com/office/powerpoint/2010/main" val="2842525506"/>
+        <p14:creationId xmlns:p14="http://schemas.microsoft.com/office/powerpoint/2010/main" val="569256945"/>
       </p:ext>
     </p:extLst>
   </p:cSld>
@@ -6047,31 +7178,6 @@
       </p:grpSpPr>
       <p:sp>
         <p:nvSpPr>
-          <p:cNvPr id="2" name="Content Placeholder 1">
-            <a:extLst>
-              <a:ext uri="{FF2B5EF4-FFF2-40B4-BE49-F238E27FC236}">
-                <a16:creationId xmlns:a16="http://schemas.microsoft.com/office/drawing/2014/main" id="{740ABAD6-9B1D-B955-17E3-AFEB1BE24B20}"/>
-              </a:ext>
-            </a:extLst>
-          </p:cNvPr>
-          <p:cNvSpPr>
-            <a:spLocks noGrp="1"/>
-          </p:cNvSpPr>
-          <p:nvPr>
-            <p:ph idx="1"/>
-          </p:nvPr>
-        </p:nvSpPr>
-        <p:spPr/>
-        <p:txBody>
-          <a:bodyPr/>
-          <a:lstStyle/>
-          <a:p>
-            <a:endParaRPr lang="cs-CZ"/>
-          </a:p>
-        </p:txBody>
-      </p:sp>
-      <p:sp>
-        <p:nvSpPr>
           <p:cNvPr id="3" name="Text Placeholder 2">
             <a:extLst>
               <a:ext uri="{FF2B5EF4-FFF2-40B4-BE49-F238E27FC236}">
@@ -6092,24 +7198,51 @@
           <a:lstStyle/>
           <a:p>
             <a:r>
-              <a:rPr lang="en-US" dirty="0" err="1">
-                <a:effectLst/>
-              </a:rPr>
-              <a:t>Výsledky</a:t>
-            </a:r>
-            <a:r>
-              <a:rPr lang="en-US" dirty="0">
-                <a:effectLst/>
-              </a:rPr>
-              <a:t> </a:t>
-            </a:r>
-          </a:p>
-        </p:txBody>
-      </p:sp>
+              <a:rPr lang="cs-CZ" dirty="0"/>
+              <a:t>Design </a:t>
+            </a:r>
+          </a:p>
+        </p:txBody>
+      </p:sp>
+      <p:pic>
+        <p:nvPicPr>
+          <p:cNvPr id="7" name="Content Placeholder 6" descr="A screenshot of a webcam&#10;&#10;Description automatically generated">
+            <a:extLst>
+              <a:ext uri="{FF2B5EF4-FFF2-40B4-BE49-F238E27FC236}">
+                <a16:creationId xmlns:a16="http://schemas.microsoft.com/office/drawing/2014/main" id="{F8FBCACF-3BF1-B62D-7E2D-BC26FE7FF1BA}"/>
+              </a:ext>
+            </a:extLst>
+          </p:cNvPr>
+          <p:cNvPicPr>
+            <a:picLocks noGrp="1" noChangeAspect="1"/>
+          </p:cNvPicPr>
+          <p:nvPr>
+            <p:ph idx="1"/>
+          </p:nvPr>
+        </p:nvPicPr>
+        <p:blipFill>
+          <a:blip r:embed="rId2">
+            <a:extLst>
+              <a:ext uri="{28A0092B-C50C-407E-A947-70E740481C1C}">
+                <a14:useLocalDpi xmlns:a14="http://schemas.microsoft.com/office/drawing/2010/main" val="0"/>
+              </a:ext>
+            </a:extLst>
+          </a:blip>
+          <a:stretch>
+            <a:fillRect/>
+          </a:stretch>
+        </p:blipFill>
+        <p:spPr>
+          <a:xfrm>
+            <a:off x="885825" y="1038226"/>
+            <a:ext cx="9366092" cy="5819774"/>
+          </a:xfrm>
+        </p:spPr>
+      </p:pic>
     </p:spTree>
     <p:extLst>
       <p:ext uri="{BB962C8B-B14F-4D97-AF65-F5344CB8AC3E}">
-        <p14:creationId xmlns:p14="http://schemas.microsoft.com/office/powerpoint/2010/main" val="1201847816"/>
+        <p14:creationId xmlns:p14="http://schemas.microsoft.com/office/powerpoint/2010/main" val="29724593"/>
       </p:ext>
     </p:extLst>
   </p:cSld>
@@ -6138,10 +7271,10 @@
       </p:grpSpPr>
       <p:sp>
         <p:nvSpPr>
-          <p:cNvPr id="2" name="Text Placeholder 1">
+          <p:cNvPr id="3" name="Text Placeholder 2">
             <a:extLst>
               <a:ext uri="{FF2B5EF4-FFF2-40B4-BE49-F238E27FC236}">
-                <a16:creationId xmlns:a16="http://schemas.microsoft.com/office/drawing/2014/main" id="{356AA9E1-8C50-6FFF-DA00-E60A3D104AD9}"/>
+                <a16:creationId xmlns:a16="http://schemas.microsoft.com/office/drawing/2014/main" id="{7896F981-8F6B-350E-AE11-CC185BF4970C}"/>
               </a:ext>
             </a:extLst>
           </p:cNvPr>
@@ -6149,26 +7282,238 @@
             <a:spLocks noGrp="1"/>
           </p:cNvSpPr>
           <p:nvPr>
-            <p:ph type="body" sz="quarter" idx="15"/>
+            <p:ph type="body" sz="quarter" idx="14"/>
           </p:nvPr>
         </p:nvSpPr>
         <p:spPr/>
         <p:txBody>
-          <a:bodyPr anchor="ctr"/>
+          <a:bodyPr/>
           <a:lstStyle/>
           <a:p>
-            <a:pPr algn="ctr"/>
             <a:r>
               <a:rPr lang="cs-CZ" dirty="0"/>
-              <a:t>Děkuji Vám za pozornost</a:t>
-            </a:r>
-          </a:p>
-        </p:txBody>
-      </p:sp>
+              <a:t>Design </a:t>
+            </a:r>
+          </a:p>
+        </p:txBody>
+      </p:sp>
+      <p:pic>
+        <p:nvPicPr>
+          <p:cNvPr id="5" name="Content Placeholder 4">
+            <a:extLst>
+              <a:ext uri="{FF2B5EF4-FFF2-40B4-BE49-F238E27FC236}">
+                <a16:creationId xmlns:a16="http://schemas.microsoft.com/office/drawing/2014/main" id="{456AB761-13D1-A500-CA4C-2638C75FF5DB}"/>
+              </a:ext>
+            </a:extLst>
+          </p:cNvPr>
+          <p:cNvPicPr>
+            <a:picLocks noGrp="1" noChangeAspect="1"/>
+          </p:cNvPicPr>
+          <p:nvPr>
+            <p:ph idx="1"/>
+          </p:nvPr>
+        </p:nvPicPr>
+        <p:blipFill>
+          <a:blip r:embed="rId2"/>
+          <a:stretch>
+            <a:fillRect/>
+          </a:stretch>
+        </p:blipFill>
+        <p:spPr>
+          <a:xfrm>
+            <a:off x="885825" y="1217940"/>
+            <a:ext cx="5210175" cy="1907142"/>
+          </a:xfrm>
+          <a:prstGeom prst="rect">
+            <a:avLst/>
+          </a:prstGeom>
+        </p:spPr>
+      </p:pic>
+      <p:pic>
+        <p:nvPicPr>
+          <p:cNvPr id="6" name="Picture 5">
+            <a:extLst>
+              <a:ext uri="{FF2B5EF4-FFF2-40B4-BE49-F238E27FC236}">
+                <a16:creationId xmlns:a16="http://schemas.microsoft.com/office/drawing/2014/main" id="{5EF29362-1D3F-3ACD-A73B-4B9D9D5919CF}"/>
+              </a:ext>
+            </a:extLst>
+          </p:cNvPr>
+          <p:cNvPicPr>
+            <a:picLocks noChangeAspect="1"/>
+          </p:cNvPicPr>
+          <p:nvPr/>
+        </p:nvPicPr>
+        <p:blipFill>
+          <a:blip r:embed="rId3"/>
+          <a:stretch>
+            <a:fillRect/>
+          </a:stretch>
+        </p:blipFill>
+        <p:spPr>
+          <a:xfrm>
+            <a:off x="6096000" y="419101"/>
+            <a:ext cx="5616575" cy="5232283"/>
+          </a:xfrm>
+          <a:prstGeom prst="rect">
+            <a:avLst/>
+          </a:prstGeom>
+        </p:spPr>
+      </p:pic>
+      <p:pic>
+        <p:nvPicPr>
+          <p:cNvPr id="8" name="Picture 7">
+            <a:extLst>
+              <a:ext uri="{FF2B5EF4-FFF2-40B4-BE49-F238E27FC236}">
+                <a16:creationId xmlns:a16="http://schemas.microsoft.com/office/drawing/2014/main" id="{595297DD-CE4E-A5C7-8538-2337CB0F9BDF}"/>
+              </a:ext>
+            </a:extLst>
+          </p:cNvPr>
+          <p:cNvPicPr>
+            <a:picLocks noChangeAspect="1"/>
+          </p:cNvPicPr>
+          <p:nvPr/>
+        </p:nvPicPr>
+        <p:blipFill>
+          <a:blip r:embed="rId4"/>
+          <a:stretch>
+            <a:fillRect/>
+          </a:stretch>
+        </p:blipFill>
+        <p:spPr>
+          <a:xfrm>
+            <a:off x="885825" y="3304797"/>
+            <a:ext cx="5209275" cy="3309760"/>
+          </a:xfrm>
+          <a:prstGeom prst="rect">
+            <a:avLst/>
+          </a:prstGeom>
+        </p:spPr>
+      </p:pic>
+      <p:pic>
+        <p:nvPicPr>
+          <p:cNvPr id="9" name="Picture 8">
+            <a:extLst>
+              <a:ext uri="{FF2B5EF4-FFF2-40B4-BE49-F238E27FC236}">
+                <a16:creationId xmlns:a16="http://schemas.microsoft.com/office/drawing/2014/main" id="{EBEEAF16-BC4A-863E-6854-91169BE06CC7}"/>
+              </a:ext>
+            </a:extLst>
+          </p:cNvPr>
+          <p:cNvPicPr>
+            <a:picLocks noChangeAspect="1"/>
+          </p:cNvPicPr>
+          <p:nvPr/>
+        </p:nvPicPr>
+        <p:blipFill>
+          <a:blip r:embed="rId5"/>
+          <a:stretch>
+            <a:fillRect/>
+          </a:stretch>
+        </p:blipFill>
+        <p:spPr>
+          <a:xfrm>
+            <a:off x="7486732" y="5839857"/>
+            <a:ext cx="1981200" cy="774700"/>
+          </a:xfrm>
+          <a:prstGeom prst="rect">
+            <a:avLst/>
+          </a:prstGeom>
+        </p:spPr>
+      </p:pic>
     </p:spTree>
     <p:extLst>
       <p:ext uri="{BB962C8B-B14F-4D97-AF65-F5344CB8AC3E}">
-        <p14:creationId xmlns:p14="http://schemas.microsoft.com/office/powerpoint/2010/main" val="2367768440"/>
+        <p14:creationId xmlns:p14="http://schemas.microsoft.com/office/powerpoint/2010/main" val="3371274432"/>
+      </p:ext>
+    </p:extLst>
+  </p:cSld>
+  <p:clrMapOvr>
+    <a:masterClrMapping/>
+  </p:clrMapOvr>
+</p:sld>
+</file>
+
+<file path=ppt/slides/slide9.xml><?xml version="1.0" encoding="utf-8"?>
+<p:sld xmlns:a="http://schemas.openxmlformats.org/drawingml/2006/main" xmlns:r="http://schemas.openxmlformats.org/officeDocument/2006/relationships" xmlns:p="http://schemas.openxmlformats.org/presentationml/2006/main">
+  <p:cSld>
+    <p:spTree>
+      <p:nvGrpSpPr>
+        <p:cNvPr id="1" name=""/>
+        <p:cNvGrpSpPr/>
+        <p:nvPr/>
+      </p:nvGrpSpPr>
+      <p:grpSpPr>
+        <a:xfrm>
+          <a:off x="0" y="0"/>
+          <a:ext cx="0" cy="0"/>
+          <a:chOff x="0" y="0"/>
+          <a:chExt cx="0" cy="0"/>
+        </a:xfrm>
+      </p:grpSpPr>
+      <p:sp>
+        <p:nvSpPr>
+          <p:cNvPr id="2" name="Content Placeholder 1">
+            <a:extLst>
+              <a:ext uri="{FF2B5EF4-FFF2-40B4-BE49-F238E27FC236}">
+                <a16:creationId xmlns:a16="http://schemas.microsoft.com/office/drawing/2014/main" id="{740ABAD6-9B1D-B955-17E3-AFEB1BE24B20}"/>
+              </a:ext>
+            </a:extLst>
+          </p:cNvPr>
+          <p:cNvSpPr>
+            <a:spLocks noGrp="1"/>
+          </p:cNvSpPr>
+          <p:nvPr>
+            <p:ph idx="1"/>
+          </p:nvPr>
+        </p:nvSpPr>
+        <p:spPr/>
+        <p:txBody>
+          <a:bodyPr/>
+          <a:lstStyle/>
+          <a:p>
+            <a:endParaRPr lang="cs-CZ"/>
+          </a:p>
+        </p:txBody>
+      </p:sp>
+      <p:sp>
+        <p:nvSpPr>
+          <p:cNvPr id="3" name="Text Placeholder 2">
+            <a:extLst>
+              <a:ext uri="{FF2B5EF4-FFF2-40B4-BE49-F238E27FC236}">
+                <a16:creationId xmlns:a16="http://schemas.microsoft.com/office/drawing/2014/main" id="{7896F981-8F6B-350E-AE11-CC185BF4970C}"/>
+              </a:ext>
+            </a:extLst>
+          </p:cNvPr>
+          <p:cNvSpPr>
+            <a:spLocks noGrp="1"/>
+          </p:cNvSpPr>
+          <p:nvPr>
+            <p:ph type="body" sz="quarter" idx="14"/>
+          </p:nvPr>
+        </p:nvSpPr>
+        <p:spPr/>
+        <p:txBody>
+          <a:bodyPr/>
+          <a:lstStyle/>
+          <a:p>
+            <a:r>
+              <a:rPr lang="en-US" dirty="0" err="1">
+                <a:effectLst/>
+              </a:rPr>
+              <a:t>Výsledky</a:t>
+            </a:r>
+            <a:r>
+              <a:rPr lang="en-US" dirty="0">
+                <a:effectLst/>
+              </a:rPr>
+              <a:t> </a:t>
+            </a:r>
+          </a:p>
+        </p:txBody>
+      </p:sp>
+    </p:spTree>
+    <p:extLst>
+      <p:ext uri="{BB962C8B-B14F-4D97-AF65-F5344CB8AC3E}">
+        <p14:creationId xmlns:p14="http://schemas.microsoft.com/office/powerpoint/2010/main" val="1201847816"/>
       </p:ext>
     </p:extLst>
   </p:cSld>

--- a/Prezentace.pptx
+++ b/Prezentace.pptx
@@ -11,11 +11,12 @@
     <p:sldId id="259" r:id="rId5"/>
     <p:sldId id="266" r:id="rId6"/>
     <p:sldId id="267" r:id="rId7"/>
-    <p:sldId id="268" r:id="rId8"/>
+    <p:sldId id="270" r:id="rId8"/>
     <p:sldId id="269" r:id="rId9"/>
-    <p:sldId id="260" r:id="rId10"/>
-    <p:sldId id="261" r:id="rId11"/>
-    <p:sldId id="263" r:id="rId12"/>
+    <p:sldId id="268" r:id="rId10"/>
+    <p:sldId id="260" r:id="rId11"/>
+    <p:sldId id="261" r:id="rId12"/>
+    <p:sldId id="263" r:id="rId13"/>
   </p:sldIdLst>
   <p:sldSz cx="12192000" cy="6858000"/>
   <p:notesSz cx="6858000" cy="9144000"/>
@@ -5603,12 +5604,153 @@
             <p:ph idx="1"/>
           </p:nvPr>
         </p:nvSpPr>
-        <p:spPr/>
+        <p:spPr>
+          <a:xfrm>
+            <a:off x="885824" y="1169986"/>
+            <a:ext cx="10943624" cy="5014913"/>
+          </a:xfrm>
+        </p:spPr>
         <p:txBody>
           <a:bodyPr/>
           <a:lstStyle/>
           <a:p>
-            <a:endParaRPr lang="cs-CZ"/>
+            <a:pPr>
+              <a:lnSpc>
+                <a:spcPct val="150000"/>
+              </a:lnSpc>
+            </a:pPr>
+            <a:endParaRPr lang="cs-CZ" dirty="0"/>
+          </a:p>
+          <a:p>
+            <a:pPr marL="342900" indent="-342900">
+              <a:lnSpc>
+                <a:spcPct val="150000"/>
+              </a:lnSpc>
+              <a:buFont typeface="Arial" panose="020B0604020202020204" pitchFamily="34" charset="0"/>
+              <a:buChar char="•"/>
+            </a:pPr>
+            <a:r>
+              <a:rPr lang="cs-CZ" dirty="0"/>
+              <a:t>Analýza požadavků vyučujících</a:t>
+            </a:r>
+          </a:p>
+          <a:p>
+            <a:pPr marL="342900" indent="-342900">
+              <a:lnSpc>
+                <a:spcPct val="150000"/>
+              </a:lnSpc>
+              <a:buFont typeface="Arial" panose="020B0604020202020204" pitchFamily="34" charset="0"/>
+              <a:buChar char="•"/>
+            </a:pPr>
+            <a:r>
+              <a:rPr lang="cs-CZ" dirty="0"/>
+              <a:t>Návrh webové aplikace pro podporu </a:t>
+            </a:r>
+            <a:r>
+              <a:rPr lang="cs-CZ" dirty="0" err="1"/>
+              <a:t>výuky</a:t>
+            </a:r>
+            <a:r>
+              <a:rPr lang="cs-CZ" dirty="0"/>
+              <a:t> 3D tisku na PEF</a:t>
+            </a:r>
+          </a:p>
+          <a:p>
+            <a:pPr marL="342900" indent="-342900">
+              <a:lnSpc>
+                <a:spcPct val="150000"/>
+              </a:lnSpc>
+              <a:buFont typeface="Arial" panose="020B0604020202020204" pitchFamily="34" charset="0"/>
+              <a:buChar char="•"/>
+            </a:pPr>
+            <a:r>
+              <a:rPr lang="cs-CZ" dirty="0" err="1"/>
+              <a:t>Úspěšná</a:t>
+            </a:r>
+            <a:r>
+              <a:rPr lang="cs-CZ" dirty="0"/>
+              <a:t> realizace navrhnuté aplikace implementující </a:t>
+            </a:r>
+            <a:r>
+              <a:rPr lang="cs-CZ" dirty="0" err="1"/>
+              <a:t>požadavky</a:t>
+            </a:r>
+            <a:r>
+              <a:rPr lang="cs-CZ" dirty="0"/>
+              <a:t> </a:t>
+            </a:r>
+            <a:r>
+              <a:rPr lang="cs-CZ" dirty="0" err="1"/>
+              <a:t>vyučujících</a:t>
+            </a:r>
+            <a:endParaRPr lang="cs-CZ" dirty="0"/>
+          </a:p>
+          <a:p>
+            <a:pPr marL="342900" indent="-342900">
+              <a:lnSpc>
+                <a:spcPct val="150000"/>
+              </a:lnSpc>
+              <a:buFont typeface="Arial" panose="020B0604020202020204" pitchFamily="34" charset="0"/>
+              <a:buChar char="•"/>
+            </a:pPr>
+            <a:r>
+              <a:rPr lang="cs-CZ" dirty="0"/>
+              <a:t>Ověření </a:t>
+            </a:r>
+            <a:r>
+              <a:rPr lang="cs-CZ" dirty="0" err="1"/>
+              <a:t>funkčnosti</a:t>
+            </a:r>
+            <a:r>
+              <a:rPr lang="cs-CZ" dirty="0"/>
+              <a:t> pomocí unit testů spolu s </a:t>
+            </a:r>
+            <a:r>
+              <a:rPr lang="cs-CZ" dirty="0" err="1"/>
+              <a:t>uživatelským</a:t>
+            </a:r>
+            <a:r>
+              <a:rPr lang="cs-CZ" dirty="0"/>
+              <a:t> </a:t>
+            </a:r>
+            <a:r>
+              <a:rPr lang="cs-CZ" dirty="0" err="1"/>
+              <a:t>testováním</a:t>
+            </a:r>
+            <a:endParaRPr lang="cs-CZ" dirty="0"/>
+          </a:p>
+          <a:p>
+            <a:pPr marL="342900" indent="-342900">
+              <a:lnSpc>
+                <a:spcPct val="150000"/>
+              </a:lnSpc>
+              <a:buFont typeface="Arial" panose="020B0604020202020204" pitchFamily="34" charset="0"/>
+              <a:buChar char="•"/>
+            </a:pPr>
+            <a:r>
+              <a:rPr lang="cs-CZ" dirty="0" err="1"/>
+              <a:t>Možnost</a:t>
+            </a:r>
+            <a:r>
+              <a:rPr lang="cs-CZ" dirty="0"/>
+              <a:t> </a:t>
+            </a:r>
+            <a:r>
+              <a:rPr lang="cs-CZ" dirty="0" err="1"/>
+              <a:t>dalšího</a:t>
+            </a:r>
+            <a:r>
+              <a:rPr lang="cs-CZ" dirty="0"/>
+              <a:t> rozvoje v budoucnosti</a:t>
+            </a:r>
+          </a:p>
+          <a:p>
+            <a:pPr>
+              <a:lnSpc>
+                <a:spcPct val="150000"/>
+              </a:lnSpc>
+            </a:pPr>
+            <a:endParaRPr lang="cs-CZ" dirty="0"/>
           </a:p>
         </p:txBody>
       </p:sp>
@@ -5634,6 +5776,222 @@
           <a:lstStyle/>
           <a:p>
             <a:r>
+              <a:rPr lang="cs-CZ" dirty="0" err="1">
+                <a:effectLst/>
+              </a:rPr>
+              <a:t>Výsledky</a:t>
+            </a:r>
+            <a:endParaRPr lang="en-US" dirty="0">
+              <a:effectLst/>
+            </a:endParaRPr>
+          </a:p>
+        </p:txBody>
+      </p:sp>
+    </p:spTree>
+    <p:extLst>
+      <p:ext uri="{BB962C8B-B14F-4D97-AF65-F5344CB8AC3E}">
+        <p14:creationId xmlns:p14="http://schemas.microsoft.com/office/powerpoint/2010/main" val="1201847816"/>
+      </p:ext>
+    </p:extLst>
+  </p:cSld>
+  <p:clrMapOvr>
+    <a:masterClrMapping/>
+  </p:clrMapOvr>
+</p:sld>
+</file>
+
+<file path=ppt/slides/slide11.xml><?xml version="1.0" encoding="utf-8"?>
+<p:sld xmlns:a="http://schemas.openxmlformats.org/drawingml/2006/main" xmlns:r="http://schemas.openxmlformats.org/officeDocument/2006/relationships" xmlns:p="http://schemas.openxmlformats.org/presentationml/2006/main">
+  <p:cSld>
+    <p:spTree>
+      <p:nvGrpSpPr>
+        <p:cNvPr id="1" name=""/>
+        <p:cNvGrpSpPr/>
+        <p:nvPr/>
+      </p:nvGrpSpPr>
+      <p:grpSpPr>
+        <a:xfrm>
+          <a:off x="0" y="0"/>
+          <a:ext cx="0" cy="0"/>
+          <a:chOff x="0" y="0"/>
+          <a:chExt cx="0" cy="0"/>
+        </a:xfrm>
+      </p:grpSpPr>
+      <p:sp>
+        <p:nvSpPr>
+          <p:cNvPr id="2" name="Content Placeholder 1">
+            <a:extLst>
+              <a:ext uri="{FF2B5EF4-FFF2-40B4-BE49-F238E27FC236}">
+                <a16:creationId xmlns:a16="http://schemas.microsoft.com/office/drawing/2014/main" id="{740ABAD6-9B1D-B955-17E3-AFEB1BE24B20}"/>
+              </a:ext>
+            </a:extLst>
+          </p:cNvPr>
+          <p:cNvSpPr>
+            <a:spLocks noGrp="1"/>
+          </p:cNvSpPr>
+          <p:nvPr>
+            <p:ph idx="1"/>
+          </p:nvPr>
+        </p:nvSpPr>
+        <p:spPr/>
+        <p:txBody>
+          <a:bodyPr/>
+          <a:lstStyle/>
+          <a:p>
+            <a:pPr marL="342900" indent="-342900">
+              <a:buFont typeface="Arial" panose="020B0604020202020204" pitchFamily="34" charset="0"/>
+              <a:buChar char="•"/>
+            </a:pPr>
+            <a:endParaRPr lang="cs-CZ" dirty="0"/>
+          </a:p>
+          <a:p>
+            <a:pPr marL="342900" indent="-342900">
+              <a:buFont typeface="Arial" panose="020B0604020202020204" pitchFamily="34" charset="0"/>
+              <a:buChar char="•"/>
+            </a:pPr>
+            <a:r>
+              <a:rPr lang="cs-CZ" dirty="0" err="1"/>
+              <a:t>Přidáni</a:t>
+            </a:r>
+            <a:r>
+              <a:rPr lang="cs-CZ" dirty="0"/>
+              <a:t>́ </a:t>
+            </a:r>
+            <a:r>
+              <a:rPr lang="cs-CZ" dirty="0" err="1"/>
+              <a:t>vytvořené</a:t>
+            </a:r>
+            <a:r>
+              <a:rPr lang="cs-CZ" dirty="0"/>
+              <a:t> rezervace do Google </a:t>
+            </a:r>
+            <a:r>
+              <a:rPr lang="cs-CZ" dirty="0" err="1"/>
+              <a:t>kalendáře</a:t>
+            </a:r>
+            <a:endParaRPr lang="cs-CZ" dirty="0"/>
+          </a:p>
+          <a:p>
+            <a:pPr marL="342900" indent="-342900">
+              <a:buFont typeface="Arial" panose="020B0604020202020204" pitchFamily="34" charset="0"/>
+              <a:buChar char="•"/>
+            </a:pPr>
+            <a:r>
+              <a:rPr lang="cs-CZ" dirty="0"/>
+              <a:t>Mobilní verze </a:t>
+            </a:r>
+            <a:r>
+              <a:rPr lang="cs-CZ" dirty="0" err="1"/>
+              <a:t>uživatelského</a:t>
+            </a:r>
+            <a:r>
+              <a:rPr lang="cs-CZ" dirty="0"/>
+              <a:t> </a:t>
+            </a:r>
+            <a:r>
+              <a:rPr lang="cs-CZ" dirty="0" err="1"/>
+              <a:t>prostředi</a:t>
+            </a:r>
+            <a:r>
+              <a:rPr lang="cs-CZ" dirty="0"/>
+              <a:t>́</a:t>
+            </a:r>
+          </a:p>
+          <a:p>
+            <a:pPr marL="342900" indent="-342900">
+              <a:buFont typeface="Arial" panose="020B0604020202020204" pitchFamily="34" charset="0"/>
+              <a:buChar char="•"/>
+            </a:pPr>
+            <a:r>
+              <a:rPr lang="cs-CZ" dirty="0" err="1"/>
+              <a:t>Přeloženi</a:t>
+            </a:r>
+            <a:r>
+              <a:rPr lang="cs-CZ" dirty="0"/>
+              <a:t>́ </a:t>
+            </a:r>
+            <a:r>
+              <a:rPr lang="cs-CZ" dirty="0" err="1"/>
+              <a:t>uživatelského</a:t>
+            </a:r>
+            <a:r>
+              <a:rPr lang="cs-CZ" dirty="0"/>
+              <a:t> </a:t>
+            </a:r>
+            <a:r>
+              <a:rPr lang="cs-CZ" dirty="0" err="1"/>
+              <a:t>prostředí</a:t>
+            </a:r>
+            <a:r>
+              <a:rPr lang="cs-CZ" dirty="0"/>
+              <a:t> do více jazyků</a:t>
+            </a:r>
+          </a:p>
+          <a:p>
+            <a:pPr marL="342900" indent="-342900">
+              <a:buFont typeface="Arial" panose="020B0604020202020204" pitchFamily="34" charset="0"/>
+              <a:buChar char="•"/>
+            </a:pPr>
+            <a:r>
+              <a:rPr lang="cs-CZ" dirty="0"/>
+              <a:t>Příprava na vydání </a:t>
+            </a:r>
+            <a:r>
+              <a:rPr lang="cs-CZ" dirty="0" err="1"/>
+              <a:t>OctoPrint</a:t>
+            </a:r>
+            <a:r>
+              <a:rPr lang="cs-CZ" dirty="0"/>
+              <a:t> 2.0</a:t>
+            </a:r>
+          </a:p>
+          <a:p>
+            <a:pPr marL="342900" indent="-342900">
+              <a:buFont typeface="Arial" panose="020B0604020202020204" pitchFamily="34" charset="0"/>
+              <a:buChar char="•"/>
+            </a:pPr>
+            <a:r>
+              <a:rPr lang="cs-CZ" dirty="0"/>
+              <a:t>Doplnění obsahu výukových částí</a:t>
+            </a:r>
+          </a:p>
+          <a:p>
+            <a:pPr marL="342900" indent="-342900">
+              <a:buFont typeface="Arial" panose="020B0604020202020204" pitchFamily="34" charset="0"/>
+              <a:buChar char="•"/>
+            </a:pPr>
+            <a:endParaRPr lang="cs-CZ" dirty="0"/>
+          </a:p>
+          <a:p>
+            <a:br>
+              <a:rPr lang="cs-CZ" dirty="0"/>
+            </a:br>
+            <a:endParaRPr lang="cs-CZ" dirty="0"/>
+          </a:p>
+        </p:txBody>
+      </p:sp>
+      <p:sp>
+        <p:nvSpPr>
+          <p:cNvPr id="3" name="Text Placeholder 2">
+            <a:extLst>
+              <a:ext uri="{FF2B5EF4-FFF2-40B4-BE49-F238E27FC236}">
+                <a16:creationId xmlns:a16="http://schemas.microsoft.com/office/drawing/2014/main" id="{7896F981-8F6B-350E-AE11-CC185BF4970C}"/>
+              </a:ext>
+            </a:extLst>
+          </p:cNvPr>
+          <p:cNvSpPr>
+            <a:spLocks noGrp="1"/>
+          </p:cNvSpPr>
+          <p:nvPr>
+            <p:ph type="body" sz="quarter" idx="14"/>
+          </p:nvPr>
+        </p:nvSpPr>
+        <p:spPr/>
+        <p:txBody>
+          <a:bodyPr/>
+          <a:lstStyle/>
+          <a:p>
+            <a:r>
               <a:rPr lang="cs-CZ" dirty="0" err="1"/>
               <a:t>Potenciálni</a:t>
             </a:r>
@@ -5643,14 +6001,8 @@
             </a:r>
             <a:r>
               <a:rPr lang="cs-CZ" dirty="0" err="1"/>
-              <a:t>zlepšeni</a:t>
-            </a:r>
-            <a:r>
-              <a:rPr lang="cs-CZ" dirty="0"/>
-              <a:t>́ </a:t>
-            </a:r>
-          </a:p>
-          <a:p>
+              <a:t>zlepšení</a:t>
+            </a:r>
             <a:endParaRPr lang="cs-CZ" dirty="0"/>
           </a:p>
         </p:txBody>
@@ -5668,7 +6020,7 @@
 </p:sld>
 </file>
 
-<file path=ppt/slides/slide11.xml><?xml version="1.0" encoding="utf-8"?>
+<file path=ppt/slides/slide12.xml><?xml version="1.0" encoding="utf-8"?>
 <p:sld xmlns:a="http://schemas.openxmlformats.org/drawingml/2006/main" xmlns:r="http://schemas.openxmlformats.org/officeDocument/2006/relationships" xmlns:p="http://schemas.openxmlformats.org/presentationml/2006/main">
   <p:cSld>
     <p:spTree>
@@ -5765,9 +6117,23 @@
           <a:bodyPr/>
           <a:lstStyle/>
           <a:p>
-            <a:br>
-              <a:rPr lang="cs-CZ" dirty="0"/>
-            </a:br>
+            <a:pPr marL="342900" indent="-342900">
+              <a:lnSpc>
+                <a:spcPct val="150000"/>
+              </a:lnSpc>
+              <a:buFont typeface="Arial" panose="020B0604020202020204" pitchFamily="34" charset="0"/>
+              <a:buChar char="•"/>
+            </a:pPr>
+            <a:endParaRPr lang="cs-CZ" dirty="0"/>
+          </a:p>
+          <a:p>
+            <a:pPr marL="342900" indent="-342900">
+              <a:lnSpc>
+                <a:spcPct val="150000"/>
+              </a:lnSpc>
+              <a:buFont typeface="Arial" panose="020B0604020202020204" pitchFamily="34" charset="0"/>
+              <a:buChar char="•"/>
+            </a:pPr>
             <a:r>
               <a:rPr lang="cs-CZ" dirty="0"/>
               <a:t>Jak motivovat </a:t>
@@ -5778,7 +6144,7 @@
             </a:r>
             <a:r>
               <a:rPr lang="cs-CZ" dirty="0"/>
-              <a:t> k prohloubení znalostí technicky velmi </a:t>
+              <a:t> k prohloubení znalostí technicky </a:t>
             </a:r>
             <a:r>
               <a:rPr lang="cs-CZ" dirty="0" err="1"/>
@@ -5790,9 +6156,13 @@
             </a:r>
           </a:p>
           <a:p>
-            <a:endParaRPr lang="cs-CZ" dirty="0"/>
-          </a:p>
-          <a:p>
+            <a:pPr marL="342900" indent="-342900">
+              <a:lnSpc>
+                <a:spcPct val="150000"/>
+              </a:lnSpc>
+              <a:buFont typeface="Arial" panose="020B0604020202020204" pitchFamily="34" charset="0"/>
+              <a:buChar char="•"/>
+            </a:pPr>
             <a:r>
               <a:rPr lang="cs-CZ" dirty="0" err="1"/>
               <a:t>Umožněni</a:t>
@@ -5859,9 +6229,13 @@
             </a:r>
           </a:p>
           <a:p>
-            <a:endParaRPr lang="cs-CZ" dirty="0"/>
-          </a:p>
-          <a:p>
+            <a:pPr marL="342900" indent="-342900">
+              <a:lnSpc>
+                <a:spcPct val="150000"/>
+              </a:lnSpc>
+              <a:buFont typeface="Arial" panose="020B0604020202020204" pitchFamily="34" charset="0"/>
+              <a:buChar char="•"/>
+            </a:pPr>
             <a:r>
               <a:rPr lang="cs-CZ" dirty="0" err="1"/>
               <a:t>Zjednodušením</a:t>
@@ -5877,9 +6251,13 @@
             <a:endParaRPr lang="cs-CZ" dirty="0"/>
           </a:p>
           <a:p>
-            <a:endParaRPr lang="cs-CZ" dirty="0"/>
-          </a:p>
-          <a:p>
+            <a:pPr marL="342900" indent="-342900">
+              <a:lnSpc>
+                <a:spcPct val="150000"/>
+              </a:lnSpc>
+              <a:buFont typeface="Arial" panose="020B0604020202020204" pitchFamily="34" charset="0"/>
+              <a:buChar char="•"/>
+            </a:pPr>
             <a:r>
               <a:rPr lang="cs-CZ" dirty="0"/>
               <a:t>Motivace </a:t>
@@ -5918,9 +6296,13 @@
             </a:r>
           </a:p>
           <a:p>
-            <a:br>
-              <a:rPr lang="cs-CZ" dirty="0"/>
-            </a:br>
+            <a:pPr marL="342900" indent="-342900">
+              <a:lnSpc>
+                <a:spcPct val="150000"/>
+              </a:lnSpc>
+              <a:buFont typeface="Arial" panose="020B0604020202020204" pitchFamily="34" charset="0"/>
+              <a:buChar char="•"/>
+            </a:pPr>
             <a:r>
               <a:rPr lang="cs-CZ" dirty="0"/>
               <a:t>Nabídnutí kompletního řešení v rámci jedné webové aplikace</a:t>
@@ -6020,16 +6402,57 @@
           </a:p>
           <a:p>
             <a:r>
+              <a:rPr lang="cs-CZ" b="1" dirty="0" err="1"/>
+              <a:t>Návrh</a:t>
+            </a:r>
+            <a:r>
+              <a:rPr lang="cs-CZ" b="1" dirty="0"/>
+              <a:t> a </a:t>
+            </a:r>
+            <a:r>
+              <a:rPr lang="cs-CZ" b="1" dirty="0" err="1"/>
+              <a:t>vytvořeni</a:t>
+            </a:r>
+            <a:r>
+              <a:rPr lang="cs-CZ" b="1" dirty="0"/>
+              <a:t>́ </a:t>
+            </a:r>
+            <a:r>
+              <a:rPr lang="cs-CZ" b="1" dirty="0" err="1"/>
+              <a:t>unikátní</a:t>
+            </a:r>
+            <a:r>
+              <a:rPr lang="cs-CZ" b="1" dirty="0"/>
+              <a:t> webové aplikace </a:t>
+            </a:r>
+            <a:r>
+              <a:rPr lang="cs-CZ" b="1" dirty="0" err="1"/>
+              <a:t>jejiž</a:t>
+            </a:r>
+            <a:r>
+              <a:rPr lang="cs-CZ" b="1" dirty="0"/>
+              <a:t> cílem bude:</a:t>
+            </a:r>
+          </a:p>
+          <a:p>
+            <a:pPr marL="342900" indent="-342900">
+              <a:lnSpc>
+                <a:spcPct val="150000"/>
+              </a:lnSpc>
+              <a:buFont typeface="Arial" panose="020B0604020202020204" pitchFamily="34" charset="0"/>
+              <a:buChar char="•"/>
+            </a:pPr>
+            <a:r>
               <a:rPr lang="cs-CZ" dirty="0" err="1"/>
-              <a:t>Návrh</a:t>
+              <a:t>Snížení</a:t>
             </a:r>
             <a:r>
               <a:rPr lang="cs-CZ" dirty="0"/>
-              <a:t> a </a:t>
+              <a:t> </a:t>
             </a:r>
             <a:r>
               <a:rPr lang="cs-CZ" dirty="0" err="1"/>
-              <a:t>vytvořeni</a:t>
+              <a:t>administrativni</a:t>
             </a:r>
             <a:r>
               <a:rPr lang="cs-CZ" dirty="0"/>
@@ -6037,15 +6460,51 @@
             </a:r>
             <a:r>
               <a:rPr lang="cs-CZ" dirty="0" err="1"/>
-              <a:t>unikátní</a:t>
+              <a:t>zátěže</a:t>
             </a:r>
             <a:r>
               <a:rPr lang="cs-CZ" dirty="0"/>
-              <a:t> webové aplikace, </a:t>
+              <a:t> kladené na </a:t>
             </a:r>
             <a:r>
               <a:rPr lang="cs-CZ" dirty="0" err="1"/>
-              <a:t>ktera</a:t>
+              <a:t>učitele</a:t>
+            </a:r>
+            <a:endParaRPr lang="cs-CZ" dirty="0"/>
+          </a:p>
+          <a:p>
+            <a:pPr marL="342900" indent="-342900">
+              <a:lnSpc>
+                <a:spcPct val="150000"/>
+              </a:lnSpc>
+              <a:buFont typeface="Arial" panose="020B0604020202020204" pitchFamily="34" charset="0"/>
+              <a:buChar char="•"/>
+            </a:pPr>
+            <a:r>
+              <a:rPr lang="cs-CZ" dirty="0" err="1"/>
+              <a:t>Zvýšení</a:t>
+            </a:r>
+            <a:r>
+              <a:rPr lang="cs-CZ" dirty="0"/>
+              <a:t> dostupnosti </a:t>
+            </a:r>
+            <a:r>
+              <a:rPr lang="cs-CZ" dirty="0" err="1"/>
+              <a:t>výuky</a:t>
+            </a:r>
+            <a:endParaRPr lang="cs-CZ" dirty="0"/>
+          </a:p>
+          <a:p>
+            <a:pPr marL="342900" indent="-342900">
+              <a:lnSpc>
+                <a:spcPct val="150000"/>
+              </a:lnSpc>
+              <a:buFont typeface="Arial" panose="020B0604020202020204" pitchFamily="34" charset="0"/>
+              <a:buChar char="•"/>
+            </a:pPr>
+            <a:r>
+              <a:rPr lang="cs-CZ" dirty="0" err="1"/>
+              <a:t>Flexibilnějši</a:t>
             </a:r>
             <a:r>
               <a:rPr lang="cs-CZ" dirty="0"/>
@@ -6053,97 +6512,33 @@
             </a:r>
             <a:r>
               <a:rPr lang="cs-CZ" dirty="0" err="1"/>
-              <a:t>sníži</a:t>
+              <a:t>plánováni</a:t>
             </a:r>
             <a:r>
               <a:rPr lang="cs-CZ" dirty="0"/>
-              <a:t>́ </a:t>
-            </a:r>
-          </a:p>
-          <a:p>
-            <a:endParaRPr lang="cs-CZ" dirty="0"/>
-          </a:p>
-          <a:p>
+              <a:t>́</a:t>
+            </a:r>
+          </a:p>
+          <a:p>
+            <a:pPr marL="342900" indent="-342900">
+              <a:lnSpc>
+                <a:spcPct val="150000"/>
+              </a:lnSpc>
+              <a:buFont typeface="Arial" panose="020B0604020202020204" pitchFamily="34" charset="0"/>
+              <a:buChar char="•"/>
+            </a:pPr>
+            <a:r>
+              <a:rPr lang="cs-CZ" dirty="0"/>
+              <a:t>Širší </a:t>
+            </a:r>
             <a:r>
               <a:rPr lang="cs-CZ" dirty="0" err="1"/>
-              <a:t>administrativni</a:t>
-            </a:r>
-            <a:r>
-              <a:rPr lang="cs-CZ" dirty="0"/>
-              <a:t>́ </a:t>
-            </a:r>
-            <a:r>
-              <a:rPr lang="cs-CZ" dirty="0" err="1"/>
-              <a:t>zátěz</a:t>
-            </a:r>
-            <a:r>
-              <a:rPr lang="cs-CZ" dirty="0"/>
-              <a:t>̌ kladenou na </a:t>
-            </a:r>
-            <a:r>
-              <a:rPr lang="cs-CZ" dirty="0" err="1"/>
-              <a:t>učitele</a:t>
+              <a:t>možnosti</a:t>
             </a:r>
             <a:r>
               <a:rPr lang="cs-CZ" dirty="0"/>
               <a:t> </a:t>
             </a:r>
-          </a:p>
-          <a:p>
-            <a:r>
-              <a:rPr lang="cs-CZ" dirty="0" err="1"/>
-              <a:t>zvýší</a:t>
-            </a:r>
-            <a:r>
-              <a:rPr lang="cs-CZ" dirty="0"/>
-              <a:t> dostupnost </a:t>
-            </a:r>
-            <a:r>
-              <a:rPr lang="cs-CZ" dirty="0" err="1"/>
-              <a:t>výuky</a:t>
-            </a:r>
-            <a:endParaRPr lang="cs-CZ" dirty="0"/>
-          </a:p>
-          <a:p>
-            <a:r>
-              <a:rPr lang="cs-CZ" dirty="0"/>
-              <a:t>	</a:t>
-            </a:r>
-            <a:r>
-              <a:rPr lang="cs-CZ" dirty="0" err="1"/>
-              <a:t>flexibilnějším</a:t>
-            </a:r>
-            <a:r>
-              <a:rPr lang="cs-CZ" dirty="0"/>
-              <a:t> </a:t>
-            </a:r>
-            <a:r>
-              <a:rPr lang="cs-CZ" dirty="0" err="1"/>
-              <a:t>plánováním</a:t>
-            </a:r>
-            <a:endParaRPr lang="cs-CZ" dirty="0"/>
-          </a:p>
-          <a:p>
-            <a:r>
-              <a:rPr lang="cs-CZ" dirty="0"/>
-              <a:t>	</a:t>
-            </a:r>
-            <a:r>
-              <a:rPr lang="cs-CZ" dirty="0" err="1"/>
-              <a:t>širšími</a:t>
-            </a:r>
-            <a:r>
-              <a:rPr lang="cs-CZ" dirty="0"/>
-              <a:t> </a:t>
-            </a:r>
-            <a:r>
-              <a:rPr lang="cs-CZ" dirty="0" err="1"/>
-              <a:t>možnostmi</a:t>
-            </a:r>
-            <a:r>
-              <a:rPr lang="cs-CZ" dirty="0"/>
-              <a:t> </a:t>
-            </a:r>
             <a:r>
               <a:rPr lang="cs-CZ" dirty="0" err="1"/>
               <a:t>samovzděláváni</a:t>
@@ -6152,6 +6547,29 @@
               <a:rPr lang="cs-CZ" dirty="0"/>
               <a:t>́</a:t>
             </a:r>
+          </a:p>
+          <a:p>
+            <a:pPr marL="342900" indent="-342900">
+              <a:lnSpc>
+                <a:spcPct val="150000"/>
+              </a:lnSpc>
+              <a:buFont typeface="Arial" panose="020B0604020202020204" pitchFamily="34" charset="0"/>
+              <a:buChar char="•"/>
+            </a:pPr>
+            <a:r>
+              <a:rPr lang="cs-CZ" dirty="0"/>
+              <a:t>Motivace studentu</a:t>
+            </a:r>
+          </a:p>
+          <a:p>
+            <a:pPr marL="342900" indent="-342900">
+              <a:lnSpc>
+                <a:spcPct val="150000"/>
+              </a:lnSpc>
+              <a:buFont typeface="Arial" panose="020B0604020202020204" pitchFamily="34" charset="0"/>
+              <a:buChar char="•"/>
+            </a:pPr>
+            <a:endParaRPr lang="cs-CZ" dirty="0"/>
           </a:p>
           <a:p>
             <a:endParaRPr lang="cs-CZ" dirty="0"/>
@@ -6254,9 +6672,10 @@
           <a:lstStyle/>
           <a:p>
             <a:r>
-              <a:rPr lang="cs-CZ" dirty="0"/>
-              <a:t>Metodika </a:t>
-            </a:r>
+              <a:rPr lang="cs-CZ"/>
+              <a:t>Použité technologie</a:t>
+            </a:r>
+            <a:endParaRPr lang="cs-CZ" dirty="0"/>
           </a:p>
         </p:txBody>
       </p:sp>
@@ -6346,7 +6765,7 @@
         <p:spPr>
           <a:xfrm>
             <a:off x="885822" y="1200150"/>
-            <a:ext cx="5210177" cy="5460626"/>
+            <a:ext cx="5407025" cy="5460626"/>
           </a:xfrm>
         </p:spPr>
         <p:txBody>
@@ -6471,6 +6890,15 @@
               <a:buChar char="•"/>
             </a:pPr>
             <a:r>
+              <a:rPr lang="en-US" sz="1800" dirty="0" err="1">
+                <a:solidFill>
+                  <a:srgbClr val="000000"/>
+                </a:solidFill>
+                <a:latin typeface="Arial" panose="020B0604020202020204" pitchFamily="34" charset="0"/>
+              </a:rPr>
+              <a:t>Ř</a:t>
+            </a:r>
+            <a:r>
               <a:rPr lang="en-US" sz="1800" b="0" i="0" u="none" strike="noStrike" dirty="0" err="1">
                 <a:solidFill>
                   <a:srgbClr val="000000"/>
@@ -6478,7 +6906,7 @@
                 <a:effectLst/>
                 <a:latin typeface="Arial" panose="020B0604020202020204" pitchFamily="34" charset="0"/>
               </a:rPr>
-              <a:t>řadu</a:t>
+              <a:t>adu</a:t>
             </a:r>
             <a:r>
               <a:rPr lang="en-US" sz="1800" b="0" i="0" u="none" strike="noStrike" dirty="0">
@@ -6598,7 +7026,7 @@
             </a:pPr>
             <a:r>
               <a:rPr lang="cs-CZ" sz="1800" dirty="0"/>
-              <a:t>kompatibilita s 3D </a:t>
+              <a:t>Kompatibilita s 3D </a:t>
             </a:r>
             <a:r>
               <a:rPr lang="cs-CZ" sz="1800" dirty="0" err="1"/>
@@ -6632,7 +7060,7 @@
             </a:pPr>
             <a:r>
               <a:rPr lang="cs-CZ" sz="1800" dirty="0"/>
-              <a:t>reaktivní uživatelské rozhraní</a:t>
+              <a:t>Reaktivní uživatelské rozhraní</a:t>
             </a:r>
           </a:p>
           <a:p>
@@ -6642,7 +7070,7 @@
             </a:pPr>
             <a:r>
               <a:rPr lang="cs-CZ" sz="1800" dirty="0"/>
-              <a:t>unifikovaný jazyk</a:t>
+              <a:t>Unifikovaný jazyk</a:t>
             </a:r>
           </a:p>
           <a:p>
@@ -6747,7 +7175,7 @@
             </a:pPr>
             <a:r>
               <a:rPr lang="cs-CZ" sz="1800" dirty="0"/>
-              <a:t>přehledné rozhraní</a:t>
+              <a:t>Přehledné rozhraní</a:t>
             </a:r>
           </a:p>
           <a:p>
@@ -6757,7 +7185,7 @@
             </a:pPr>
             <a:r>
               <a:rPr lang="cs-CZ" sz="1800" dirty="0"/>
-              <a:t>rezervace</a:t>
+              <a:t>Rezervace</a:t>
             </a:r>
           </a:p>
           <a:p>
@@ -6767,7 +7195,7 @@
             </a:pPr>
             <a:r>
               <a:rPr lang="cs-CZ" sz="1800" dirty="0"/>
-              <a:t>role</a:t>
+              <a:t>Role</a:t>
             </a:r>
           </a:p>
           <a:p>
@@ -6777,7 +7205,7 @@
             </a:pPr>
             <a:r>
               <a:rPr lang="cs-CZ" sz="1800" dirty="0"/>
-              <a:t>výukové bloky</a:t>
+              <a:t>Výukové bloky</a:t>
             </a:r>
           </a:p>
           <a:p>
@@ -6787,7 +7215,7 @@
             </a:pPr>
             <a:r>
               <a:rPr lang="cs-CZ" sz="1800" dirty="0"/>
-              <a:t>gamifikace</a:t>
+              <a:t>Gamifikace</a:t>
             </a:r>
           </a:p>
           <a:p>
@@ -6839,6 +7267,15 @@
               <a:buChar char="•"/>
             </a:pPr>
             <a:r>
+              <a:rPr lang="en-US" sz="1800" dirty="0" err="1">
+                <a:solidFill>
+                  <a:srgbClr val="000000"/>
+                </a:solidFill>
+                <a:latin typeface="Arial" panose="020B0604020202020204" pitchFamily="34" charset="0"/>
+              </a:rPr>
+              <a:t>V</a:t>
+            </a:r>
+            <a:r>
               <a:rPr lang="en-US" sz="1800" b="0" i="0" u="none" strike="noStrike" dirty="0" err="1">
                 <a:solidFill>
                   <a:srgbClr val="000000"/>
@@ -6846,7 +7283,7 @@
                 <a:effectLst/>
                 <a:latin typeface="Arial" panose="020B0604020202020204" pitchFamily="34" charset="0"/>
               </a:rPr>
-              <a:t>výběr</a:t>
+              <a:t>ýběr</a:t>
             </a:r>
             <a:r>
               <a:rPr lang="en-US" sz="1800" b="0" i="0" u="none" strike="noStrike" dirty="0">
@@ -6911,7 +7348,7 @@
                 <a:effectLst/>
                 <a:latin typeface="Arial" panose="020B0604020202020204" pitchFamily="34" charset="0"/>
               </a:rPr>
-              <a:t>zvýšeni</a:t>
+              <a:t>Zvýšeni</a:t>
             </a:r>
             <a:r>
               <a:rPr lang="en-US" sz="1800" b="0" i="0" u="none" strike="noStrike" dirty="0">
@@ -7009,6 +7446,15 @@
               <a:buChar char="•"/>
             </a:pPr>
             <a:r>
+              <a:rPr lang="en-US" sz="1800" dirty="0" err="1">
+                <a:solidFill>
+                  <a:srgbClr val="000000"/>
+                </a:solidFill>
+                <a:latin typeface="Arial" panose="020B0604020202020204" pitchFamily="34" charset="0"/>
+              </a:rPr>
+              <a:t>Z</a:t>
+            </a:r>
+            <a:r>
               <a:rPr lang="en-US" sz="1800" b="0" i="0" u="none" strike="noStrike" dirty="0" err="1">
                 <a:solidFill>
                   <a:srgbClr val="000000"/>
@@ -7016,7 +7462,7 @@
                 <a:effectLst/>
                 <a:latin typeface="Arial" panose="020B0604020202020204" pitchFamily="34" charset="0"/>
               </a:rPr>
-              <a:t>základni</a:t>
+              <a:t>ákladni</a:t>
             </a:r>
             <a:r>
               <a:rPr lang="en-US" sz="1800" b="0" i="0" u="none" strike="noStrike" dirty="0">
@@ -7206,10 +7652,10 @@
       </p:sp>
       <p:pic>
         <p:nvPicPr>
-          <p:cNvPr id="7" name="Content Placeholder 6" descr="A screenshot of a webcam&#10;&#10;Description automatically generated">
+          <p:cNvPr id="6" name="Content Placeholder 5">
             <a:extLst>
               <a:ext uri="{FF2B5EF4-FFF2-40B4-BE49-F238E27FC236}">
-                <a16:creationId xmlns:a16="http://schemas.microsoft.com/office/drawing/2014/main" id="{F8FBCACF-3BF1-B62D-7E2D-BC26FE7FF1BA}"/>
+                <a16:creationId xmlns:a16="http://schemas.microsoft.com/office/drawing/2014/main" id="{4E21AAD0-E01C-A36C-F9DC-E5B2F828FD75}"/>
               </a:ext>
             </a:extLst>
           </p:cNvPr>
@@ -7221,13 +7667,7 @@
           </p:nvPr>
         </p:nvPicPr>
         <p:blipFill>
-          <a:blip r:embed="rId2">
-            <a:extLst>
-              <a:ext uri="{28A0092B-C50C-407E-A947-70E740481C1C}">
-                <a14:useLocalDpi xmlns:a14="http://schemas.microsoft.com/office/drawing/2010/main" val="0"/>
-              </a:ext>
-            </a:extLst>
-          </a:blip>
+          <a:blip r:embed="rId2"/>
           <a:stretch>
             <a:fillRect/>
           </a:stretch>
@@ -7235,14 +7675,47 @@
         <p:spPr>
           <a:xfrm>
             <a:off x="885825" y="1038226"/>
-            <a:ext cx="9366092" cy="5819774"/>
-          </a:xfrm>
+            <a:ext cx="5960929" cy="3851408"/>
+          </a:xfrm>
+          <a:prstGeom prst="rect">
+            <a:avLst/>
+          </a:prstGeom>
+        </p:spPr>
+      </p:pic>
+      <p:pic>
+        <p:nvPicPr>
+          <p:cNvPr id="7" name="Picture 6">
+            <a:extLst>
+              <a:ext uri="{FF2B5EF4-FFF2-40B4-BE49-F238E27FC236}">
+                <a16:creationId xmlns:a16="http://schemas.microsoft.com/office/drawing/2014/main" id="{089956ED-A420-AEAC-3900-4C896267A7BB}"/>
+              </a:ext>
+            </a:extLst>
+          </p:cNvPr>
+          <p:cNvPicPr>
+            <a:picLocks noChangeAspect="1"/>
+          </p:cNvPicPr>
+          <p:nvPr/>
+        </p:nvPicPr>
+        <p:blipFill>
+          <a:blip r:embed="rId3"/>
+          <a:stretch>
+            <a:fillRect/>
+          </a:stretch>
+        </p:blipFill>
+        <p:spPr>
+          <a:xfrm>
+            <a:off x="7103576" y="1559291"/>
+            <a:ext cx="3678524" cy="3410552"/>
+          </a:xfrm>
+          <a:prstGeom prst="rect">
+            <a:avLst/>
+          </a:prstGeom>
         </p:spPr>
       </p:pic>
     </p:spTree>
     <p:extLst>
       <p:ext uri="{BB962C8B-B14F-4D97-AF65-F5344CB8AC3E}">
-        <p14:creationId xmlns:p14="http://schemas.microsoft.com/office/powerpoint/2010/main" val="29724593"/>
+        <p14:creationId xmlns:p14="http://schemas.microsoft.com/office/powerpoint/2010/main" val="2645949711"/>
       </p:ext>
     </p:extLst>
   </p:cSld>
@@ -7451,31 +7924,6 @@
       </p:grpSpPr>
       <p:sp>
         <p:nvSpPr>
-          <p:cNvPr id="2" name="Content Placeholder 1">
-            <a:extLst>
-              <a:ext uri="{FF2B5EF4-FFF2-40B4-BE49-F238E27FC236}">
-                <a16:creationId xmlns:a16="http://schemas.microsoft.com/office/drawing/2014/main" id="{740ABAD6-9B1D-B955-17E3-AFEB1BE24B20}"/>
-              </a:ext>
-            </a:extLst>
-          </p:cNvPr>
-          <p:cNvSpPr>
-            <a:spLocks noGrp="1"/>
-          </p:cNvSpPr>
-          <p:nvPr>
-            <p:ph idx="1"/>
-          </p:nvPr>
-        </p:nvSpPr>
-        <p:spPr/>
-        <p:txBody>
-          <a:bodyPr/>
-          <a:lstStyle/>
-          <a:p>
-            <a:endParaRPr lang="cs-CZ"/>
-          </a:p>
-        </p:txBody>
-      </p:sp>
-      <p:sp>
-        <p:nvSpPr>
           <p:cNvPr id="3" name="Text Placeholder 2">
             <a:extLst>
               <a:ext uri="{FF2B5EF4-FFF2-40B4-BE49-F238E27FC236}">
@@ -7496,24 +7944,51 @@
           <a:lstStyle/>
           <a:p>
             <a:r>
-              <a:rPr lang="en-US" dirty="0" err="1">
-                <a:effectLst/>
-              </a:rPr>
-              <a:t>Výsledky</a:t>
-            </a:r>
-            <a:r>
-              <a:rPr lang="en-US" dirty="0">
-                <a:effectLst/>
-              </a:rPr>
-              <a:t> </a:t>
+              <a:rPr lang="cs-CZ" dirty="0"/>
+              <a:t>Design </a:t>
             </a:r>
           </a:p>
         </p:txBody>
       </p:sp>
+      <p:pic>
+        <p:nvPicPr>
+          <p:cNvPr id="7" name="Content Placeholder 6" descr="A screenshot of a webcam&#10;&#10;Description automatically generated">
+            <a:extLst>
+              <a:ext uri="{FF2B5EF4-FFF2-40B4-BE49-F238E27FC236}">
+                <a16:creationId xmlns:a16="http://schemas.microsoft.com/office/drawing/2014/main" id="{F8FBCACF-3BF1-B62D-7E2D-BC26FE7FF1BA}"/>
+              </a:ext>
+            </a:extLst>
+          </p:cNvPr>
+          <p:cNvPicPr>
+            <a:picLocks noGrp="1" noChangeAspect="1"/>
+          </p:cNvPicPr>
+          <p:nvPr>
+            <p:ph idx="1"/>
+          </p:nvPr>
+        </p:nvPicPr>
+        <p:blipFill>
+          <a:blip r:embed="rId2">
+            <a:extLst>
+              <a:ext uri="{28A0092B-C50C-407E-A947-70E740481C1C}">
+                <a14:useLocalDpi xmlns:a14="http://schemas.microsoft.com/office/drawing/2010/main" val="0"/>
+              </a:ext>
+            </a:extLst>
+          </a:blip>
+          <a:stretch>
+            <a:fillRect/>
+          </a:stretch>
+        </p:blipFill>
+        <p:spPr>
+          <a:xfrm>
+            <a:off x="885825" y="1038226"/>
+            <a:ext cx="9366092" cy="5819774"/>
+          </a:xfrm>
+        </p:spPr>
+      </p:pic>
     </p:spTree>
     <p:extLst>
       <p:ext uri="{BB962C8B-B14F-4D97-AF65-F5344CB8AC3E}">
-        <p14:creationId xmlns:p14="http://schemas.microsoft.com/office/powerpoint/2010/main" val="1201847816"/>
+        <p14:creationId xmlns:p14="http://schemas.microsoft.com/office/powerpoint/2010/main" val="29724593"/>
       </p:ext>
     </p:extLst>
   </p:cSld>

--- a/Prezentace.pptx
+++ b/Prezentace.pptx
@@ -6672,10 +6672,9 @@
           <a:lstStyle/>
           <a:p>
             <a:r>
-              <a:rPr lang="cs-CZ"/>
+              <a:rPr lang="cs-CZ" dirty="0"/>
               <a:t>Použité technologie</a:t>
             </a:r>
-            <a:endParaRPr lang="cs-CZ" dirty="0"/>
           </a:p>
         </p:txBody>
       </p:sp>

--- a/Prezentace.pptx
+++ b/Prezentace.pptx
@@ -4,6 +4,9 @@
   <p:sldMasterIdLst>
     <p:sldMasterId id="2147483674" r:id="rId1"/>
   </p:sldMasterIdLst>
+  <p:notesMasterIdLst>
+    <p:notesMasterId r:id="rId14"/>
+  </p:notesMasterIdLst>
   <p:sldIdLst>
     <p:sldId id="256" r:id="rId2"/>
     <p:sldId id="257" r:id="rId3"/>
@@ -146,6 +149,440 @@
     </a:lvl9pPr>
   </p:defaultTextStyle>
 </p:presentation>
+</file>
+
+<file path=ppt/notesMasters/notesMaster1.xml><?xml version="1.0" encoding="utf-8"?>
+<p:notesMaster xmlns:a="http://schemas.openxmlformats.org/drawingml/2006/main" xmlns:r="http://schemas.openxmlformats.org/officeDocument/2006/relationships" xmlns:p="http://schemas.openxmlformats.org/presentationml/2006/main">
+  <p:cSld>
+    <p:bg>
+      <p:bgRef idx="1001">
+        <a:schemeClr val="bg1"/>
+      </p:bgRef>
+    </p:bg>
+    <p:spTree>
+      <p:nvGrpSpPr>
+        <p:cNvPr id="1" name=""/>
+        <p:cNvGrpSpPr/>
+        <p:nvPr/>
+      </p:nvGrpSpPr>
+      <p:grpSpPr>
+        <a:xfrm>
+          <a:off x="0" y="0"/>
+          <a:ext cx="0" cy="0"/>
+          <a:chOff x="0" y="0"/>
+          <a:chExt cx="0" cy="0"/>
+        </a:xfrm>
+      </p:grpSpPr>
+      <p:sp>
+        <p:nvSpPr>
+          <p:cNvPr id="2" name="Header Placeholder 1"/>
+          <p:cNvSpPr>
+            <a:spLocks noGrp="1"/>
+          </p:cNvSpPr>
+          <p:nvPr>
+            <p:ph type="hdr" sz="quarter"/>
+          </p:nvPr>
+        </p:nvSpPr>
+        <p:spPr>
+          <a:xfrm>
+            <a:off x="0" y="0"/>
+            <a:ext cx="2971800" cy="458788"/>
+          </a:xfrm>
+          <a:prstGeom prst="rect">
+            <a:avLst/>
+          </a:prstGeom>
+        </p:spPr>
+        <p:txBody>
+          <a:bodyPr vert="horz" lIns="91440" tIns="45720" rIns="91440" bIns="45720" rtlCol="0"/>
+          <a:lstStyle>
+            <a:lvl1pPr algn="l">
+              <a:defRPr sz="1200"/>
+            </a:lvl1pPr>
+          </a:lstStyle>
+          <a:p>
+            <a:endParaRPr lang="cs-CZ"/>
+          </a:p>
+        </p:txBody>
+      </p:sp>
+      <p:sp>
+        <p:nvSpPr>
+          <p:cNvPr id="3" name="Date Placeholder 2"/>
+          <p:cNvSpPr>
+            <a:spLocks noGrp="1"/>
+          </p:cNvSpPr>
+          <p:nvPr>
+            <p:ph type="dt" idx="1"/>
+          </p:nvPr>
+        </p:nvSpPr>
+        <p:spPr>
+          <a:xfrm>
+            <a:off x="3884613" y="0"/>
+            <a:ext cx="2971800" cy="458788"/>
+          </a:xfrm>
+          <a:prstGeom prst="rect">
+            <a:avLst/>
+          </a:prstGeom>
+        </p:spPr>
+        <p:txBody>
+          <a:bodyPr vert="horz" lIns="91440" tIns="45720" rIns="91440" bIns="45720" rtlCol="0"/>
+          <a:lstStyle>
+            <a:lvl1pPr algn="r">
+              <a:defRPr sz="1200"/>
+            </a:lvl1pPr>
+          </a:lstStyle>
+          <a:p>
+            <a:fld id="{83B813CB-D5F1-7849-85EE-2DB13B675995}" type="datetimeFigureOut">
+              <a:rPr lang="cs-CZ" smtClean="0"/>
+              <a:t>15.05.2024</a:t>
+            </a:fld>
+            <a:endParaRPr lang="cs-CZ"/>
+          </a:p>
+        </p:txBody>
+      </p:sp>
+      <p:sp>
+        <p:nvSpPr>
+          <p:cNvPr id="4" name="Slide Image Placeholder 3"/>
+          <p:cNvSpPr>
+            <a:spLocks noGrp="1" noRot="1" noChangeAspect="1"/>
+          </p:cNvSpPr>
+          <p:nvPr>
+            <p:ph type="sldImg" idx="2"/>
+          </p:nvPr>
+        </p:nvSpPr>
+        <p:spPr>
+          <a:xfrm>
+            <a:off x="685800" y="1143000"/>
+            <a:ext cx="5486400" cy="3086100"/>
+          </a:xfrm>
+          <a:prstGeom prst="rect">
+            <a:avLst/>
+          </a:prstGeom>
+          <a:noFill/>
+          <a:ln w="12700">
+            <a:solidFill>
+              <a:prstClr val="black"/>
+            </a:solidFill>
+          </a:ln>
+        </p:spPr>
+        <p:txBody>
+          <a:bodyPr vert="horz" lIns="91440" tIns="45720" rIns="91440" bIns="45720" rtlCol="0" anchor="ctr"/>
+          <a:lstStyle/>
+          <a:p>
+            <a:endParaRPr lang="cs-CZ"/>
+          </a:p>
+        </p:txBody>
+      </p:sp>
+      <p:sp>
+        <p:nvSpPr>
+          <p:cNvPr id="5" name="Notes Placeholder 4"/>
+          <p:cNvSpPr>
+            <a:spLocks noGrp="1"/>
+          </p:cNvSpPr>
+          <p:nvPr>
+            <p:ph type="body" sz="quarter" idx="3"/>
+          </p:nvPr>
+        </p:nvSpPr>
+        <p:spPr>
+          <a:xfrm>
+            <a:off x="685800" y="4400550"/>
+            <a:ext cx="5486400" cy="3600450"/>
+          </a:xfrm>
+          <a:prstGeom prst="rect">
+            <a:avLst/>
+          </a:prstGeom>
+        </p:spPr>
+        <p:txBody>
+          <a:bodyPr vert="horz" lIns="91440" tIns="45720" rIns="91440" bIns="45720" rtlCol="0"/>
+          <a:lstStyle/>
+          <a:p>
+            <a:pPr lvl="0"/>
+            <a:r>
+              <a:rPr lang="en-US"/>
+              <a:t>Click to edit Master text styles</a:t>
+            </a:r>
+          </a:p>
+          <a:p>
+            <a:pPr lvl="1"/>
+            <a:r>
+              <a:rPr lang="en-US"/>
+              <a:t>Second level</a:t>
+            </a:r>
+          </a:p>
+          <a:p>
+            <a:pPr lvl="2"/>
+            <a:r>
+              <a:rPr lang="en-US"/>
+              <a:t>Third level</a:t>
+            </a:r>
+          </a:p>
+          <a:p>
+            <a:pPr lvl="3"/>
+            <a:r>
+              <a:rPr lang="en-US"/>
+              <a:t>Fourth level</a:t>
+            </a:r>
+          </a:p>
+          <a:p>
+            <a:pPr lvl="4"/>
+            <a:r>
+              <a:rPr lang="en-US"/>
+              <a:t>Fifth level</a:t>
+            </a:r>
+            <a:endParaRPr lang="cs-CZ"/>
+          </a:p>
+        </p:txBody>
+      </p:sp>
+      <p:sp>
+        <p:nvSpPr>
+          <p:cNvPr id="6" name="Footer Placeholder 5"/>
+          <p:cNvSpPr>
+            <a:spLocks noGrp="1"/>
+          </p:cNvSpPr>
+          <p:nvPr>
+            <p:ph type="ftr" sz="quarter" idx="4"/>
+          </p:nvPr>
+        </p:nvSpPr>
+        <p:spPr>
+          <a:xfrm>
+            <a:off x="0" y="8685213"/>
+            <a:ext cx="2971800" cy="458787"/>
+          </a:xfrm>
+          <a:prstGeom prst="rect">
+            <a:avLst/>
+          </a:prstGeom>
+        </p:spPr>
+        <p:txBody>
+          <a:bodyPr vert="horz" lIns="91440" tIns="45720" rIns="91440" bIns="45720" rtlCol="0" anchor="b"/>
+          <a:lstStyle>
+            <a:lvl1pPr algn="l">
+              <a:defRPr sz="1200"/>
+            </a:lvl1pPr>
+          </a:lstStyle>
+          <a:p>
+            <a:endParaRPr lang="cs-CZ"/>
+          </a:p>
+        </p:txBody>
+      </p:sp>
+      <p:sp>
+        <p:nvSpPr>
+          <p:cNvPr id="7" name="Slide Number Placeholder 6"/>
+          <p:cNvSpPr>
+            <a:spLocks noGrp="1"/>
+          </p:cNvSpPr>
+          <p:nvPr>
+            <p:ph type="sldNum" sz="quarter" idx="5"/>
+          </p:nvPr>
+        </p:nvSpPr>
+        <p:spPr>
+          <a:xfrm>
+            <a:off x="3884613" y="8685213"/>
+            <a:ext cx="2971800" cy="458787"/>
+          </a:xfrm>
+          <a:prstGeom prst="rect">
+            <a:avLst/>
+          </a:prstGeom>
+        </p:spPr>
+        <p:txBody>
+          <a:bodyPr vert="horz" lIns="91440" tIns="45720" rIns="91440" bIns="45720" rtlCol="0" anchor="b"/>
+          <a:lstStyle>
+            <a:lvl1pPr algn="r">
+              <a:defRPr sz="1200"/>
+            </a:lvl1pPr>
+          </a:lstStyle>
+          <a:p>
+            <a:fld id="{67E207BF-E345-3140-B80B-556C205473D0}" type="slidenum">
+              <a:rPr lang="cs-CZ" smtClean="0"/>
+              <a:t>‹#›</a:t>
+            </a:fld>
+            <a:endParaRPr lang="cs-CZ"/>
+          </a:p>
+        </p:txBody>
+      </p:sp>
+    </p:spTree>
+    <p:extLst>
+      <p:ext uri="{BB962C8B-B14F-4D97-AF65-F5344CB8AC3E}">
+        <p14:creationId xmlns:p14="http://schemas.microsoft.com/office/powerpoint/2010/main" val="431760470"/>
+      </p:ext>
+    </p:extLst>
+  </p:cSld>
+  <p:clrMap bg1="lt1" tx1="dk1" bg2="lt2" tx2="dk2" accent1="accent1" accent2="accent2" accent3="accent3" accent4="accent4" accent5="accent5" accent6="accent6" hlink="hlink" folHlink="folHlink"/>
+  <p:notesStyle>
+    <a:lvl1pPr marL="0" algn="l" defTabSz="914400" rtl="0" eaLnBrk="1" latinLnBrk="0" hangingPunct="1">
+      <a:defRPr sz="1200" kern="1200">
+        <a:solidFill>
+          <a:schemeClr val="tx1"/>
+        </a:solidFill>
+        <a:latin typeface="+mn-lt"/>
+        <a:ea typeface="+mn-ea"/>
+        <a:cs typeface="+mn-cs"/>
+      </a:defRPr>
+    </a:lvl1pPr>
+    <a:lvl2pPr marL="457200" algn="l" defTabSz="914400" rtl="0" eaLnBrk="1" latinLnBrk="0" hangingPunct="1">
+      <a:defRPr sz="1200" kern="1200">
+        <a:solidFill>
+          <a:schemeClr val="tx1"/>
+        </a:solidFill>
+        <a:latin typeface="+mn-lt"/>
+        <a:ea typeface="+mn-ea"/>
+        <a:cs typeface="+mn-cs"/>
+      </a:defRPr>
+    </a:lvl2pPr>
+    <a:lvl3pPr marL="914400" algn="l" defTabSz="914400" rtl="0" eaLnBrk="1" latinLnBrk="0" hangingPunct="1">
+      <a:defRPr sz="1200" kern="1200">
+        <a:solidFill>
+          <a:schemeClr val="tx1"/>
+        </a:solidFill>
+        <a:latin typeface="+mn-lt"/>
+        <a:ea typeface="+mn-ea"/>
+        <a:cs typeface="+mn-cs"/>
+      </a:defRPr>
+    </a:lvl3pPr>
+    <a:lvl4pPr marL="1371600" algn="l" defTabSz="914400" rtl="0" eaLnBrk="1" latinLnBrk="0" hangingPunct="1">
+      <a:defRPr sz="1200" kern="1200">
+        <a:solidFill>
+          <a:schemeClr val="tx1"/>
+        </a:solidFill>
+        <a:latin typeface="+mn-lt"/>
+        <a:ea typeface="+mn-ea"/>
+        <a:cs typeface="+mn-cs"/>
+      </a:defRPr>
+    </a:lvl4pPr>
+    <a:lvl5pPr marL="1828800" algn="l" defTabSz="914400" rtl="0" eaLnBrk="1" latinLnBrk="0" hangingPunct="1">
+      <a:defRPr sz="1200" kern="1200">
+        <a:solidFill>
+          <a:schemeClr val="tx1"/>
+        </a:solidFill>
+        <a:latin typeface="+mn-lt"/>
+        <a:ea typeface="+mn-ea"/>
+        <a:cs typeface="+mn-cs"/>
+      </a:defRPr>
+    </a:lvl5pPr>
+    <a:lvl6pPr marL="2286000" algn="l" defTabSz="914400" rtl="0" eaLnBrk="1" latinLnBrk="0" hangingPunct="1">
+      <a:defRPr sz="1200" kern="1200">
+        <a:solidFill>
+          <a:schemeClr val="tx1"/>
+        </a:solidFill>
+        <a:latin typeface="+mn-lt"/>
+        <a:ea typeface="+mn-ea"/>
+        <a:cs typeface="+mn-cs"/>
+      </a:defRPr>
+    </a:lvl6pPr>
+    <a:lvl7pPr marL="2743200" algn="l" defTabSz="914400" rtl="0" eaLnBrk="1" latinLnBrk="0" hangingPunct="1">
+      <a:defRPr sz="1200" kern="1200">
+        <a:solidFill>
+          <a:schemeClr val="tx1"/>
+        </a:solidFill>
+        <a:latin typeface="+mn-lt"/>
+        <a:ea typeface="+mn-ea"/>
+        <a:cs typeface="+mn-cs"/>
+      </a:defRPr>
+    </a:lvl7pPr>
+    <a:lvl8pPr marL="3200400" algn="l" defTabSz="914400" rtl="0" eaLnBrk="1" latinLnBrk="0" hangingPunct="1">
+      <a:defRPr sz="1200" kern="1200">
+        <a:solidFill>
+          <a:schemeClr val="tx1"/>
+        </a:solidFill>
+        <a:latin typeface="+mn-lt"/>
+        <a:ea typeface="+mn-ea"/>
+        <a:cs typeface="+mn-cs"/>
+      </a:defRPr>
+    </a:lvl8pPr>
+    <a:lvl9pPr marL="3657600" algn="l" defTabSz="914400" rtl="0" eaLnBrk="1" latinLnBrk="0" hangingPunct="1">
+      <a:defRPr sz="1200" kern="1200">
+        <a:solidFill>
+          <a:schemeClr val="tx1"/>
+        </a:solidFill>
+        <a:latin typeface="+mn-lt"/>
+        <a:ea typeface="+mn-ea"/>
+        <a:cs typeface="+mn-cs"/>
+      </a:defRPr>
+    </a:lvl9pPr>
+  </p:notesStyle>
+</p:notesMaster>
+</file>
+
+<file path=ppt/notesSlides/notesSlide1.xml><?xml version="1.0" encoding="utf-8"?>
+<p:notes xmlns:a="http://schemas.openxmlformats.org/drawingml/2006/main" xmlns:r="http://schemas.openxmlformats.org/officeDocument/2006/relationships" xmlns:p="http://schemas.openxmlformats.org/presentationml/2006/main">
+  <p:cSld>
+    <p:spTree>
+      <p:nvGrpSpPr>
+        <p:cNvPr id="1" name=""/>
+        <p:cNvGrpSpPr/>
+        <p:nvPr/>
+      </p:nvGrpSpPr>
+      <p:grpSpPr>
+        <a:xfrm>
+          <a:off x="0" y="0"/>
+          <a:ext cx="0" cy="0"/>
+          <a:chOff x="0" y="0"/>
+          <a:chExt cx="0" cy="0"/>
+        </a:xfrm>
+      </p:grpSpPr>
+      <p:sp>
+        <p:nvSpPr>
+          <p:cNvPr id="2" name="Slide Image Placeholder 1"/>
+          <p:cNvSpPr>
+            <a:spLocks noGrp="1" noRot="1" noChangeAspect="1"/>
+          </p:cNvSpPr>
+          <p:nvPr>
+            <p:ph type="sldImg"/>
+          </p:nvPr>
+        </p:nvSpPr>
+        <p:spPr/>
+      </p:sp>
+      <p:sp>
+        <p:nvSpPr>
+          <p:cNvPr id="3" name="Notes Placeholder 2"/>
+          <p:cNvSpPr>
+            <a:spLocks noGrp="1"/>
+          </p:cNvSpPr>
+          <p:nvPr>
+            <p:ph type="body" idx="1"/>
+          </p:nvPr>
+        </p:nvSpPr>
+        <p:spPr/>
+        <p:txBody>
+          <a:bodyPr/>
+          <a:lstStyle/>
+          <a:p>
+            <a:endParaRPr lang="cs-CZ" dirty="0"/>
+          </a:p>
+        </p:txBody>
+      </p:sp>
+      <p:sp>
+        <p:nvSpPr>
+          <p:cNvPr id="4" name="Slide Number Placeholder 3"/>
+          <p:cNvSpPr>
+            <a:spLocks noGrp="1"/>
+          </p:cNvSpPr>
+          <p:nvPr>
+            <p:ph type="sldNum" sz="quarter" idx="5"/>
+          </p:nvPr>
+        </p:nvSpPr>
+        <p:spPr/>
+        <p:txBody>
+          <a:bodyPr/>
+          <a:lstStyle/>
+          <a:p>
+            <a:fld id="{67E207BF-E345-3140-B80B-556C205473D0}" type="slidenum">
+              <a:rPr lang="cs-CZ" smtClean="0"/>
+              <a:t>2</a:t>
+            </a:fld>
+            <a:endParaRPr lang="cs-CZ"/>
+          </a:p>
+        </p:txBody>
+      </p:sp>
+    </p:spTree>
+    <p:extLst>
+      <p:ext uri="{BB962C8B-B14F-4D97-AF65-F5344CB8AC3E}">
+        <p14:creationId xmlns:p14="http://schemas.microsoft.com/office/powerpoint/2010/main" val="1711185228"/>
+      </p:ext>
+    </p:extLst>
+  </p:cSld>
+  <p:clrMapOvr>
+    <a:masterClrMapping/>
+  </p:clrMapOvr>
+</p:notes>
 </file>
 
 <file path=ppt/slideLayouts/slideLayout1.xml><?xml version="1.0" encoding="utf-8"?>
@@ -5630,40 +6067,6 @@
               <a:buChar char="•"/>
             </a:pPr>
             <a:r>
-              <a:rPr lang="cs-CZ" dirty="0"/>
-              <a:t>Analýza požadavků vyučujících</a:t>
-            </a:r>
-          </a:p>
-          <a:p>
-            <a:pPr marL="342900" indent="-342900">
-              <a:lnSpc>
-                <a:spcPct val="150000"/>
-              </a:lnSpc>
-              <a:buFont typeface="Arial" panose="020B0604020202020204" pitchFamily="34" charset="0"/>
-              <a:buChar char="•"/>
-            </a:pPr>
-            <a:r>
-              <a:rPr lang="cs-CZ" dirty="0"/>
-              <a:t>Návrh webové aplikace pro podporu </a:t>
-            </a:r>
-            <a:r>
-              <a:rPr lang="cs-CZ" dirty="0" err="1"/>
-              <a:t>výuky</a:t>
-            </a:r>
-            <a:r>
-              <a:rPr lang="cs-CZ" dirty="0"/>
-              <a:t> 3D tisku na PEF</a:t>
-            </a:r>
-          </a:p>
-          <a:p>
-            <a:pPr marL="342900" indent="-342900">
-              <a:lnSpc>
-                <a:spcPct val="150000"/>
-              </a:lnSpc>
-              <a:buFont typeface="Arial" panose="020B0604020202020204" pitchFamily="34" charset="0"/>
-              <a:buChar char="•"/>
-            </a:pPr>
-            <a:r>
               <a:rPr lang="cs-CZ" dirty="0" err="1"/>
               <a:t>Úspěšná</a:t>
             </a:r>
@@ -8196,4 +8599,299 @@
     </a:ext>
   </a:extLst>
 </a:theme>
+</file>
+
+<file path=ppt/theme/theme2.xml><?xml version="1.0" encoding="utf-8"?>
+<a:theme xmlns:a="http://schemas.openxmlformats.org/drawingml/2006/main" name="Office Theme">
+  <a:themeElements>
+    <a:clrScheme name="Office">
+      <a:dk1>
+        <a:sysClr val="windowText" lastClr="000000"/>
+      </a:dk1>
+      <a:lt1>
+        <a:sysClr val="window" lastClr="FFFFFF"/>
+      </a:lt1>
+      <a:dk2>
+        <a:srgbClr val="44546A"/>
+      </a:dk2>
+      <a:lt2>
+        <a:srgbClr val="E7E6E6"/>
+      </a:lt2>
+      <a:accent1>
+        <a:srgbClr val="4472C4"/>
+      </a:accent1>
+      <a:accent2>
+        <a:srgbClr val="ED7D31"/>
+      </a:accent2>
+      <a:accent3>
+        <a:srgbClr val="A5A5A5"/>
+      </a:accent3>
+      <a:accent4>
+        <a:srgbClr val="FFC000"/>
+      </a:accent4>
+      <a:accent5>
+        <a:srgbClr val="5B9BD5"/>
+      </a:accent5>
+      <a:accent6>
+        <a:srgbClr val="70AD47"/>
+      </a:accent6>
+      <a:hlink>
+        <a:srgbClr val="0563C1"/>
+      </a:hlink>
+      <a:folHlink>
+        <a:srgbClr val="954F72"/>
+      </a:folHlink>
+    </a:clrScheme>
+    <a:fontScheme name="Office">
+      <a:majorFont>
+        <a:latin typeface="Calibri Light" panose="020F0302020204030204"/>
+        <a:ea typeface=""/>
+        <a:cs typeface=""/>
+        <a:font script="Jpan" typeface="游ゴシック Light"/>
+        <a:font script="Hang" typeface="맑은 고딕"/>
+        <a:font script="Hans" typeface="等线 Light"/>
+        <a:font script="Hant" typeface="新細明體"/>
+        <a:font script="Arab" typeface="Times New Roman"/>
+        <a:font script="Hebr" typeface="Times New Roman"/>
+        <a:font script="Thai" typeface="Angsana New"/>
+        <a:font script="Ethi" typeface="Nyala"/>
+        <a:font script="Beng" typeface="Vrinda"/>
+        <a:font script="Gujr" typeface="Shruti"/>
+        <a:font script="Khmr" typeface="MoolBoran"/>
+        <a:font script="Knda" typeface="Tunga"/>
+        <a:font script="Guru" typeface="Raavi"/>
+        <a:font script="Cans" typeface="Euphemia"/>
+        <a:font script="Cher" typeface="Plantagenet Cherokee"/>
+        <a:font script="Yiii" typeface="Microsoft Yi Baiti"/>
+        <a:font script="Tibt" typeface="Microsoft Himalaya"/>
+        <a:font script="Thaa" typeface="MV Boli"/>
+        <a:font script="Deva" typeface="Mangal"/>
+        <a:font script="Telu" typeface="Gautami"/>
+        <a:font script="Taml" typeface="Latha"/>
+        <a:font script="Syrc" typeface="Estrangelo Edessa"/>
+        <a:font script="Orya" typeface="Kalinga"/>
+        <a:font script="Mlym" typeface="Kartika"/>
+        <a:font script="Laoo" typeface="DokChampa"/>
+        <a:font script="Sinh" typeface="Iskoola Pota"/>
+        <a:font script="Mong" typeface="Mongolian Baiti"/>
+        <a:font script="Viet" typeface="Times New Roman"/>
+        <a:font script="Uigh" typeface="Microsoft Uighur"/>
+        <a:font script="Geor" typeface="Sylfaen"/>
+        <a:font script="Armn" typeface="Arial"/>
+        <a:font script="Bugi" typeface="Leelawadee UI"/>
+        <a:font script="Bopo" typeface="Microsoft JhengHei"/>
+        <a:font script="Java" typeface="Javanese Text"/>
+        <a:font script="Lisu" typeface="Segoe UI"/>
+        <a:font script="Mymr" typeface="Myanmar Text"/>
+        <a:font script="Nkoo" typeface="Ebrima"/>
+        <a:font script="Olck" typeface="Nirmala UI"/>
+        <a:font script="Osma" typeface="Ebrima"/>
+        <a:font script="Phag" typeface="Phagspa"/>
+        <a:font script="Syrn" typeface="Estrangelo Edessa"/>
+        <a:font script="Syrj" typeface="Estrangelo Edessa"/>
+        <a:font script="Syre" typeface="Estrangelo Edessa"/>
+        <a:font script="Sora" typeface="Nirmala UI"/>
+        <a:font script="Tale" typeface="Microsoft Tai Le"/>
+        <a:font script="Talu" typeface="Microsoft New Tai Lue"/>
+        <a:font script="Tfng" typeface="Ebrima"/>
+      </a:majorFont>
+      <a:minorFont>
+        <a:latin typeface="Calibri" panose="020F0502020204030204"/>
+        <a:ea typeface=""/>
+        <a:cs typeface=""/>
+        <a:font script="Jpan" typeface="游ゴシック"/>
+        <a:font script="Hang" typeface="맑은 고딕"/>
+        <a:font script="Hans" typeface="等线"/>
+        <a:font script="Hant" typeface="新細明體"/>
+        <a:font script="Arab" typeface="Arial"/>
+        <a:font script="Hebr" typeface="Arial"/>
+        <a:font script="Thai" typeface="Cordia New"/>
+        <a:font script="Ethi" typeface="Nyala"/>
+        <a:font script="Beng" typeface="Vrinda"/>
+        <a:font script="Gujr" typeface="Shruti"/>
+        <a:font script="Khmr" typeface="DaunPenh"/>
+        <a:font script="Knda" typeface="Tunga"/>
+        <a:font script="Guru" typeface="Raavi"/>
+        <a:font script="Cans" typeface="Euphemia"/>
+        <a:font script="Cher" typeface="Plantagenet Cherokee"/>
+        <a:font script="Yiii" typeface="Microsoft Yi Baiti"/>
+        <a:font script="Tibt" typeface="Microsoft Himalaya"/>
+        <a:font script="Thaa" typeface="MV Boli"/>
+        <a:font script="Deva" typeface="Mangal"/>
+        <a:font script="Telu" typeface="Gautami"/>
+        <a:font script="Taml" typeface="Latha"/>
+        <a:font script="Syrc" typeface="Estrangelo Edessa"/>
+        <a:font script="Orya" typeface="Kalinga"/>
+        <a:font script="Mlym" typeface="Kartika"/>
+        <a:font script="Laoo" typeface="DokChampa"/>
+        <a:font script="Sinh" typeface="Iskoola Pota"/>
+        <a:font script="Mong" typeface="Mongolian Baiti"/>
+        <a:font script="Viet" typeface="Arial"/>
+        <a:font script="Uigh" typeface="Microsoft Uighur"/>
+        <a:font script="Geor" typeface="Sylfaen"/>
+        <a:font script="Armn" typeface="Arial"/>
+        <a:font script="Bugi" typeface="Leelawadee UI"/>
+        <a:font script="Bopo" typeface="Microsoft JhengHei"/>
+        <a:font script="Java" typeface="Javanese Text"/>
+        <a:font script="Lisu" typeface="Segoe UI"/>
+        <a:font script="Mymr" typeface="Myanmar Text"/>
+        <a:font script="Nkoo" typeface="Ebrima"/>
+        <a:font script="Olck" typeface="Nirmala UI"/>
+        <a:font script="Osma" typeface="Ebrima"/>
+        <a:font script="Phag" typeface="Phagspa"/>
+        <a:font script="Syrn" typeface="Estrangelo Edessa"/>
+        <a:font script="Syrj" typeface="Estrangelo Edessa"/>
+        <a:font script="Syre" typeface="Estrangelo Edessa"/>
+        <a:font script="Sora" typeface="Nirmala UI"/>
+        <a:font script="Tale" typeface="Microsoft Tai Le"/>
+        <a:font script="Talu" typeface="Microsoft New Tai Lue"/>
+        <a:font script="Tfng" typeface="Ebrima"/>
+      </a:minorFont>
+    </a:fontScheme>
+    <a:fmtScheme name="Office">
+      <a:fillStyleLst>
+        <a:solidFill>
+          <a:schemeClr val="phClr"/>
+        </a:solidFill>
+        <a:gradFill rotWithShape="1">
+          <a:gsLst>
+            <a:gs pos="0">
+              <a:schemeClr val="phClr">
+                <a:lumMod val="110000"/>
+                <a:satMod val="105000"/>
+                <a:tint val="67000"/>
+              </a:schemeClr>
+            </a:gs>
+            <a:gs pos="50000">
+              <a:schemeClr val="phClr">
+                <a:lumMod val="105000"/>
+                <a:satMod val="103000"/>
+                <a:tint val="73000"/>
+              </a:schemeClr>
+            </a:gs>
+            <a:gs pos="100000">
+              <a:schemeClr val="phClr">
+                <a:lumMod val="105000"/>
+                <a:satMod val="109000"/>
+                <a:tint val="81000"/>
+              </a:schemeClr>
+            </a:gs>
+          </a:gsLst>
+          <a:lin ang="5400000" scaled="0"/>
+        </a:gradFill>
+        <a:gradFill rotWithShape="1">
+          <a:gsLst>
+            <a:gs pos="0">
+              <a:schemeClr val="phClr">
+                <a:satMod val="103000"/>
+                <a:lumMod val="102000"/>
+                <a:tint val="94000"/>
+              </a:schemeClr>
+            </a:gs>
+            <a:gs pos="50000">
+              <a:schemeClr val="phClr">
+                <a:satMod val="110000"/>
+                <a:lumMod val="100000"/>
+                <a:shade val="100000"/>
+              </a:schemeClr>
+            </a:gs>
+            <a:gs pos="100000">
+              <a:schemeClr val="phClr">
+                <a:lumMod val="99000"/>
+                <a:satMod val="120000"/>
+                <a:shade val="78000"/>
+              </a:schemeClr>
+            </a:gs>
+          </a:gsLst>
+          <a:lin ang="5400000" scaled="0"/>
+        </a:gradFill>
+      </a:fillStyleLst>
+      <a:lnStyleLst>
+        <a:ln w="6350" cap="flat" cmpd="sng" algn="ctr">
+          <a:solidFill>
+            <a:schemeClr val="phClr"/>
+          </a:solidFill>
+          <a:prstDash val="solid"/>
+          <a:miter lim="800000"/>
+        </a:ln>
+        <a:ln w="12700" cap="flat" cmpd="sng" algn="ctr">
+          <a:solidFill>
+            <a:schemeClr val="phClr"/>
+          </a:solidFill>
+          <a:prstDash val="solid"/>
+          <a:miter lim="800000"/>
+        </a:ln>
+        <a:ln w="19050" cap="flat" cmpd="sng" algn="ctr">
+          <a:solidFill>
+            <a:schemeClr val="phClr"/>
+          </a:solidFill>
+          <a:prstDash val="solid"/>
+          <a:miter lim="800000"/>
+        </a:ln>
+      </a:lnStyleLst>
+      <a:effectStyleLst>
+        <a:effectStyle>
+          <a:effectLst/>
+        </a:effectStyle>
+        <a:effectStyle>
+          <a:effectLst/>
+        </a:effectStyle>
+        <a:effectStyle>
+          <a:effectLst>
+            <a:outerShdw blurRad="57150" dist="19050" dir="5400000" algn="ctr" rotWithShape="0">
+              <a:srgbClr val="000000">
+                <a:alpha val="63000"/>
+              </a:srgbClr>
+            </a:outerShdw>
+          </a:effectLst>
+        </a:effectStyle>
+      </a:effectStyleLst>
+      <a:bgFillStyleLst>
+        <a:solidFill>
+          <a:schemeClr val="phClr"/>
+        </a:solidFill>
+        <a:solidFill>
+          <a:schemeClr val="phClr">
+            <a:tint val="95000"/>
+            <a:satMod val="170000"/>
+          </a:schemeClr>
+        </a:solidFill>
+        <a:gradFill rotWithShape="1">
+          <a:gsLst>
+            <a:gs pos="0">
+              <a:schemeClr val="phClr">
+                <a:tint val="93000"/>
+                <a:satMod val="150000"/>
+                <a:shade val="98000"/>
+                <a:lumMod val="102000"/>
+              </a:schemeClr>
+            </a:gs>
+            <a:gs pos="50000">
+              <a:schemeClr val="phClr">
+                <a:tint val="98000"/>
+                <a:satMod val="130000"/>
+                <a:shade val="90000"/>
+                <a:lumMod val="103000"/>
+              </a:schemeClr>
+            </a:gs>
+            <a:gs pos="100000">
+              <a:schemeClr val="phClr">
+                <a:shade val="63000"/>
+                <a:satMod val="120000"/>
+              </a:schemeClr>
+            </a:gs>
+          </a:gsLst>
+          <a:lin ang="5400000" scaled="0"/>
+        </a:gradFill>
+      </a:bgFillStyleLst>
+    </a:fmtScheme>
+  </a:themeElements>
+  <a:objectDefaults/>
+  <a:extraClrSchemeLst/>
+  <a:extLst>
+    <a:ext uri="{05A4C25C-085E-4340-85A3-A5531E510DB2}">
+      <thm15:themeFamily xmlns:thm15="http://schemas.microsoft.com/office/thememl/2012/main" name="Office Theme" id="{62F939B6-93AF-4DB8-9C6B-D6C7DFDC589F}" vid="{4A3C46E8-61CC-4603-A589-7422A47A8E4A}"/>
+    </a:ext>
+  </a:extLst>
+</a:theme>
 </file>
--- a/Prezentace.pptx
+++ b/Prezentace.pptx
@@ -7988,9 +7988,14 @@
           <a:lstStyle/>
           <a:p>
             <a:r>
-              <a:rPr lang="cs-CZ" dirty="0"/>
-              <a:t>Design </a:t>
-            </a:r>
+              <a:rPr lang="cs-CZ" dirty="0" err="1">
+                <a:effectLst/>
+              </a:rPr>
+              <a:t>Výsledky</a:t>
+            </a:r>
+            <a:endParaRPr lang="en-US" dirty="0">
+              <a:effectLst/>
+            </a:endParaRPr>
           </a:p>
         </p:txBody>
       </p:sp>
@@ -8046,9 +8051,14 @@
           <a:lstStyle/>
           <a:p>
             <a:r>
-              <a:rPr lang="cs-CZ" dirty="0"/>
-              <a:t>Design </a:t>
-            </a:r>
+              <a:rPr lang="cs-CZ" dirty="0" err="1">
+                <a:effectLst/>
+              </a:rPr>
+              <a:t>Výsledky</a:t>
+            </a:r>
+            <a:endParaRPr lang="en-US" dirty="0">
+              <a:effectLst/>
+            </a:endParaRPr>
           </a:p>
         </p:txBody>
       </p:sp>
@@ -8166,9 +8176,14 @@
           <a:lstStyle/>
           <a:p>
             <a:r>
-              <a:rPr lang="cs-CZ" dirty="0"/>
-              <a:t>Design </a:t>
-            </a:r>
+              <a:rPr lang="cs-CZ" dirty="0" err="1">
+                <a:effectLst/>
+              </a:rPr>
+              <a:t>Výsledky</a:t>
+            </a:r>
+            <a:endParaRPr lang="en-US" dirty="0">
+              <a:effectLst/>
+            </a:endParaRPr>
           </a:p>
         </p:txBody>
       </p:sp>
@@ -8346,9 +8361,14 @@
           <a:lstStyle/>
           <a:p>
             <a:r>
-              <a:rPr lang="cs-CZ" dirty="0"/>
-              <a:t>Design </a:t>
-            </a:r>
+              <a:rPr lang="cs-CZ" dirty="0" err="1">
+                <a:effectLst/>
+              </a:rPr>
+              <a:t>Výsledky</a:t>
+            </a:r>
+            <a:endParaRPr lang="en-US" dirty="0">
+              <a:effectLst/>
+            </a:endParaRPr>
           </a:p>
         </p:txBody>
       </p:sp>
